--- a/Disinfection.pptx
+++ b/Disinfection.pptx
@@ -3393,49 +3393,21 @@
       </p:grpSpPr>
       <p:sp>
         <p:nvSpPr>
-          <p:cNvPr id="7" name="Rectangle 7"/>
+          <p:cNvPr id="2" name="Slide Image Placeholder 1"/>
           <p:cNvSpPr>
-            <a:spLocks noGrp="1" noChangeArrowheads="1"/>
-          </p:cNvSpPr>
-          <p:nvPr>
-            <p:ph type="sldNum" sz="quarter" idx="5"/>
-          </p:nvPr>
-        </p:nvSpPr>
-        <p:spPr>
-          <a:ln/>
-        </p:spPr>
-        <p:txBody>
-          <a:bodyPr/>
-          <a:lstStyle/>
-          <a:p>
-            <a:fld id="{2709213C-813C-4C6B-BC21-5129DEC41547}" type="slidenum">
-              <a:rPr lang="en-US"/>
-              <a:pPr/>
-              <a:t>23</a:t>
-            </a:fld>
-            <a:endParaRPr lang="en-US"/>
-          </a:p>
-        </p:txBody>
-      </p:sp>
-      <p:sp>
-        <p:nvSpPr>
-          <p:cNvPr id="212994" name="Rectangle 2"/>
-          <p:cNvSpPr>
-            <a:spLocks noGrp="1" noRot="1" noChangeAspect="1" noChangeArrowheads="1" noTextEdit="1"/>
+            <a:spLocks noGrp="1" noRot="1" noChangeAspect="1"/>
           </p:cNvSpPr>
           <p:nvPr>
             <p:ph type="sldImg"/>
           </p:nvPr>
         </p:nvSpPr>
-        <p:spPr>
-          <a:ln/>
-        </p:spPr>
+        <p:spPr/>
       </p:sp>
       <p:sp>
         <p:nvSpPr>
-          <p:cNvPr id="212995" name="Rectangle 3"/>
+          <p:cNvPr id="3" name="Notes Placeholder 2"/>
           <p:cNvSpPr>
-            <a:spLocks noGrp="1" noChangeArrowheads="1"/>
+            <a:spLocks noGrp="1"/>
           </p:cNvSpPr>
           <p:nvPr>
             <p:ph type="body" idx="1"/>
@@ -3447,13 +3419,70 @@
           <a:lstStyle/>
           <a:p>
             <a:r>
-              <a:rPr lang="en-US" dirty="0"/>
-              <a:t>https://chlorine.americanchemistry.com/Standalone-Content/PDFs/Typhoid-Fever.pdf</a:t>
-            </a:r>
+              <a:rPr lang="en-US" dirty="0" smtClean="0"/>
+              <a:t>AguaClara</a:t>
+            </a:r>
+            <a:r>
+              <a:rPr lang="en-US" baseline="0" dirty="0" smtClean="0"/>
+              <a:t> will have higher quality water that provides  better protection against pathogens.</a:t>
+            </a:r>
+          </a:p>
+          <a:p>
+            <a:r>
+              <a:rPr lang="en-US" baseline="0" dirty="0" smtClean="0"/>
+              <a:t>Floc/</a:t>
+            </a:r>
+            <a:r>
+              <a:rPr lang="en-US" baseline="0" dirty="0" err="1" smtClean="0"/>
+              <a:t>sed</a:t>
+            </a:r>
+            <a:r>
+              <a:rPr lang="en-US" baseline="0" dirty="0" smtClean="0"/>
+              <a:t>/filtration will remove some organics and hence reduce chlorine demand. Thus fewer tastes and odors.</a:t>
+            </a:r>
+          </a:p>
+          <a:p>
+            <a:endParaRPr lang="en-US" baseline="0" dirty="0" smtClean="0"/>
+          </a:p>
+          <a:p>
+            <a:r>
+              <a:rPr lang="en-US" baseline="0" dirty="0" smtClean="0"/>
+              <a:t>If the </a:t>
+            </a:r>
+            <a:endParaRPr lang="en-US" dirty="0"/>
+          </a:p>
+        </p:txBody>
+      </p:sp>
+      <p:sp>
+        <p:nvSpPr>
+          <p:cNvPr id="4" name="Slide Number Placeholder 3"/>
+          <p:cNvSpPr>
+            <a:spLocks noGrp="1"/>
+          </p:cNvSpPr>
+          <p:nvPr>
+            <p:ph type="sldNum" sz="quarter" idx="10"/>
+          </p:nvPr>
+        </p:nvSpPr>
+        <p:spPr/>
+        <p:txBody>
+          <a:bodyPr/>
+          <a:lstStyle/>
+          <a:p>
+            <a:fld id="{5046825D-39B6-4240-A9AF-FAF0EE688E71}" type="slidenum">
+              <a:rPr lang="en-US" smtClean="0"/>
+              <a:pPr/>
+              <a:t>22</a:t>
+            </a:fld>
+            <a:endParaRPr lang="en-US"/>
           </a:p>
         </p:txBody>
       </p:sp>
     </p:spTree>
+    <p:extLst>
+      <p:ext uri="{BB962C8B-B14F-4D97-AF65-F5344CB8AC3E}">
+        <p14:creationId xmlns:p14="http://schemas.microsoft.com/office/powerpoint/2010/main" val="1421492527"/>
+      </p:ext>
+    </p:extLst>
   </p:cSld>
   <p:clrMapOvr>
     <a:masterClrMapping/>
@@ -3495,10 +3524,10 @@
           <a:bodyPr/>
           <a:lstStyle/>
           <a:p>
-            <a:fld id="{DD2B923A-D8E8-4BF5-A517-3597A428FA01}" type="slidenum">
+            <a:fld id="{2709213C-813C-4C6B-BC21-5129DEC41547}" type="slidenum">
               <a:rPr lang="en-US"/>
               <a:pPr/>
-              <a:t>24</a:t>
+              <a:t>23</a:t>
             </a:fld>
             <a:endParaRPr lang="en-US"/>
           </a:p>
@@ -3506,7 +3535,7 @@
       </p:sp>
       <p:sp>
         <p:nvSpPr>
-          <p:cNvPr id="135170" name="Rectangle 2"/>
+          <p:cNvPr id="212994" name="Rectangle 2"/>
           <p:cNvSpPr>
             <a:spLocks noGrp="1" noRot="1" noChangeAspect="1" noChangeArrowheads="1" noTextEdit="1"/>
           </p:cNvSpPr>
@@ -3520,7 +3549,7 @@
       </p:sp>
       <p:sp>
         <p:nvSpPr>
-          <p:cNvPr id="135171" name="Rectangle 3"/>
+          <p:cNvPr id="212995" name="Rectangle 3"/>
           <p:cNvSpPr>
             <a:spLocks noGrp="1" noChangeArrowheads="1"/>
           </p:cNvSpPr>
@@ -3534,8 +3563,8 @@
           <a:lstStyle/>
           <a:p>
             <a:r>
-              <a:rPr lang="en-US"/>
-              <a:t>http://www.pubmedcentral.nih.gov/picrender.fcgi?artid=243978&amp;action=stream&amp;blobtype=pdf</a:t>
+              <a:rPr lang="en-US" dirty="0"/>
+              <a:t>https://chlorine.americanchemistry.com/Standalone-Content/PDFs/Typhoid-Fever.pdf</a:t>
             </a:r>
           </a:p>
         </p:txBody>
@@ -3666,10 +3695,10 @@
           <a:bodyPr/>
           <a:lstStyle/>
           <a:p>
-            <a:fld id="{7C13C30D-F85C-4021-8625-5CB9AA5DB501}" type="slidenum">
+            <a:fld id="{DD2B923A-D8E8-4BF5-A517-3597A428FA01}" type="slidenum">
               <a:rPr lang="en-US"/>
               <a:pPr/>
-              <a:t>25</a:t>
+              <a:t>24</a:t>
             </a:fld>
             <a:endParaRPr lang="en-US"/>
           </a:p>
@@ -3677,7 +3706,7 @@
       </p:sp>
       <p:sp>
         <p:nvSpPr>
-          <p:cNvPr id="234498" name="Rectangle 2"/>
+          <p:cNvPr id="135170" name="Rectangle 2"/>
           <p:cNvSpPr>
             <a:spLocks noGrp="1" noRot="1" noChangeAspect="1" noChangeArrowheads="1" noTextEdit="1"/>
           </p:cNvSpPr>
@@ -3691,7 +3720,7 @@
       </p:sp>
       <p:sp>
         <p:nvSpPr>
-          <p:cNvPr id="234499" name="Rectangle 3"/>
+          <p:cNvPr id="135171" name="Rectangle 3"/>
           <p:cNvSpPr>
             <a:spLocks noGrp="1" noChangeArrowheads="1"/>
           </p:cNvSpPr>
@@ -3706,7 +3735,7 @@
           <a:p>
             <a:r>
               <a:rPr lang="en-US"/>
-              <a:t>Sample done in Ojojona Honduras comparing commercial bottled water with tap water.</a:t>
+              <a:t>http://www.pubmedcentral.nih.gov/picrender.fcgi?artid=243978&amp;action=stream&amp;blobtype=pdf</a:t>
             </a:r>
           </a:p>
         </p:txBody>
@@ -3753,10 +3782,10 @@
           <a:bodyPr/>
           <a:lstStyle/>
           <a:p>
-            <a:fld id="{F67A56E8-E32E-4B36-A3A0-55BD2730AC5B}" type="slidenum">
+            <a:fld id="{7C13C30D-F85C-4021-8625-5CB9AA5DB501}" type="slidenum">
               <a:rPr lang="en-US"/>
               <a:pPr/>
-              <a:t>26</a:t>
+              <a:t>25</a:t>
             </a:fld>
             <a:endParaRPr lang="en-US"/>
           </a:p>
@@ -3764,7 +3793,7 @@
       </p:sp>
       <p:sp>
         <p:nvSpPr>
-          <p:cNvPr id="189442" name="Rectangle 2"/>
+          <p:cNvPr id="234498" name="Rectangle 2"/>
           <p:cNvSpPr>
             <a:spLocks noGrp="1" noRot="1" noChangeAspect="1" noChangeArrowheads="1" noTextEdit="1"/>
           </p:cNvSpPr>
@@ -3778,7 +3807,7 @@
       </p:sp>
       <p:sp>
         <p:nvSpPr>
-          <p:cNvPr id="189443" name="Rectangle 3"/>
+          <p:cNvPr id="234499" name="Rectangle 3"/>
           <p:cNvSpPr>
             <a:spLocks noGrp="1" noChangeArrowheads="1"/>
           </p:cNvSpPr>
@@ -3793,7 +3822,7 @@
           <a:p>
             <a:r>
               <a:rPr lang="en-US"/>
-              <a:t>http://www.olinchloralkali.com/calculators/calc_table.asp </a:t>
+              <a:t>Sample done in Ojojona Honduras comparing commercial bottled water with tap water.</a:t>
             </a:r>
           </a:p>
         </p:txBody>
@@ -3840,10 +3869,10 @@
           <a:bodyPr/>
           <a:lstStyle/>
           <a:p>
-            <a:fld id="{83C427C6-CB10-445E-9E37-3839848EBBE8}" type="slidenum">
+            <a:fld id="{F67A56E8-E32E-4B36-A3A0-55BD2730AC5B}" type="slidenum">
               <a:rPr lang="en-US"/>
               <a:pPr/>
-              <a:t>29</a:t>
+              <a:t>26</a:t>
             </a:fld>
             <a:endParaRPr lang="en-US"/>
           </a:p>
@@ -3851,7 +3880,7 @@
       </p:sp>
       <p:sp>
         <p:nvSpPr>
-          <p:cNvPr id="69634" name="Rectangle 2"/>
+          <p:cNvPr id="189442" name="Rectangle 2"/>
           <p:cNvSpPr>
             <a:spLocks noGrp="1" noRot="1" noChangeAspect="1" noChangeArrowheads="1" noTextEdit="1"/>
           </p:cNvSpPr>
@@ -3865,7 +3894,7 @@
       </p:sp>
       <p:sp>
         <p:nvSpPr>
-          <p:cNvPr id="69635" name="Rectangle 3"/>
+          <p:cNvPr id="189443" name="Rectangle 3"/>
           <p:cNvSpPr>
             <a:spLocks noGrp="1" noChangeArrowheads="1"/>
           </p:cNvSpPr>
@@ -3878,7 +3907,10 @@
           <a:bodyPr/>
           <a:lstStyle/>
           <a:p>
-            <a:endParaRPr lang="en-US"/>
+            <a:r>
+              <a:rPr lang="en-US"/>
+              <a:t>http://www.olinchloralkali.com/calculators/calc_table.asp </a:t>
+            </a:r>
           </a:p>
         </p:txBody>
       </p:sp>
@@ -3924,10 +3956,10 @@
           <a:bodyPr/>
           <a:lstStyle/>
           <a:p>
-            <a:fld id="{C57D6DC6-4F73-4BD4-848B-1C431FF25016}" type="slidenum">
+            <a:fld id="{83C427C6-CB10-445E-9E37-3839848EBBE8}" type="slidenum">
               <a:rPr lang="en-US"/>
               <a:pPr/>
-              <a:t>30</a:t>
+              <a:t>29</a:t>
             </a:fld>
             <a:endParaRPr lang="en-US"/>
           </a:p>
@@ -3935,7 +3967,7 @@
       </p:sp>
       <p:sp>
         <p:nvSpPr>
-          <p:cNvPr id="223234" name="Rectangle 2"/>
+          <p:cNvPr id="69634" name="Rectangle 2"/>
           <p:cNvSpPr>
             <a:spLocks noGrp="1" noRot="1" noChangeAspect="1" noChangeArrowheads="1" noTextEdit="1"/>
           </p:cNvSpPr>
@@ -3949,7 +3981,7 @@
       </p:sp>
       <p:sp>
         <p:nvSpPr>
-          <p:cNvPr id="223235" name="Rectangle 3"/>
+          <p:cNvPr id="69635" name="Rectangle 3"/>
           <p:cNvSpPr>
             <a:spLocks noGrp="1" noChangeArrowheads="1"/>
           </p:cNvSpPr>
@@ -4008,10 +4040,10 @@
           <a:bodyPr/>
           <a:lstStyle/>
           <a:p>
-            <a:fld id="{C798D255-82C8-4A99-B3C3-06E2C36414DE}" type="slidenum">
+            <a:fld id="{C57D6DC6-4F73-4BD4-848B-1C431FF25016}" type="slidenum">
               <a:rPr lang="en-US"/>
               <a:pPr/>
-              <a:t>31</a:t>
+              <a:t>30</a:t>
             </a:fld>
             <a:endParaRPr lang="en-US"/>
           </a:p>
@@ -4019,7 +4051,7 @@
       </p:sp>
       <p:sp>
         <p:nvSpPr>
-          <p:cNvPr id="72706" name="Rectangle 2"/>
+          <p:cNvPr id="223234" name="Rectangle 2"/>
           <p:cNvSpPr>
             <a:spLocks noGrp="1" noRot="1" noChangeAspect="1" noChangeArrowheads="1" noTextEdit="1"/>
           </p:cNvSpPr>
@@ -4033,7 +4065,7 @@
       </p:sp>
       <p:sp>
         <p:nvSpPr>
-          <p:cNvPr id="72707" name="Rectangle 3"/>
+          <p:cNvPr id="223235" name="Rectangle 3"/>
           <p:cNvSpPr>
             <a:spLocks noGrp="1" noChangeArrowheads="1"/>
           </p:cNvSpPr>
@@ -4092,10 +4124,10 @@
           <a:bodyPr/>
           <a:lstStyle/>
           <a:p>
-            <a:fld id="{CE1A8165-21C2-46FC-8C65-50DAA2C530AC}" type="slidenum">
+            <a:fld id="{C798D255-82C8-4A99-B3C3-06E2C36414DE}" type="slidenum">
               <a:rPr lang="en-US"/>
               <a:pPr/>
-              <a:t>32</a:t>
+              <a:t>31</a:t>
             </a:fld>
             <a:endParaRPr lang="en-US"/>
           </a:p>
@@ -4103,7 +4135,7 @@
       </p:sp>
       <p:sp>
         <p:nvSpPr>
-          <p:cNvPr id="73730" name="Rectangle 2"/>
+          <p:cNvPr id="72706" name="Rectangle 2"/>
           <p:cNvSpPr>
             <a:spLocks noGrp="1" noRot="1" noChangeAspect="1" noChangeArrowheads="1" noTextEdit="1"/>
           </p:cNvSpPr>
@@ -4117,7 +4149,7 @@
       </p:sp>
       <p:sp>
         <p:nvSpPr>
-          <p:cNvPr id="73731" name="Rectangle 3"/>
+          <p:cNvPr id="72707" name="Rectangle 3"/>
           <p:cNvSpPr>
             <a:spLocks noGrp="1" noChangeArrowheads="1"/>
           </p:cNvSpPr>
@@ -4176,10 +4208,10 @@
           <a:bodyPr/>
           <a:lstStyle/>
           <a:p>
-            <a:fld id="{7BEB69F8-9497-411A-AA0E-D904554A2F44}" type="slidenum">
+            <a:fld id="{CE1A8165-21C2-46FC-8C65-50DAA2C530AC}" type="slidenum">
               <a:rPr lang="en-US"/>
               <a:pPr/>
-              <a:t>33</a:t>
+              <a:t>32</a:t>
             </a:fld>
             <a:endParaRPr lang="en-US"/>
           </a:p>
@@ -4187,7 +4219,7 @@
       </p:sp>
       <p:sp>
         <p:nvSpPr>
-          <p:cNvPr id="74754" name="Rectangle 2"/>
+          <p:cNvPr id="73730" name="Rectangle 2"/>
           <p:cNvSpPr>
             <a:spLocks noGrp="1" noRot="1" noChangeAspect="1" noChangeArrowheads="1" noTextEdit="1"/>
           </p:cNvSpPr>
@@ -4201,7 +4233,7 @@
       </p:sp>
       <p:sp>
         <p:nvSpPr>
-          <p:cNvPr id="74755" name="Rectangle 3"/>
+          <p:cNvPr id="73731" name="Rectangle 3"/>
           <p:cNvSpPr>
             <a:spLocks noGrp="1" noChangeArrowheads="1"/>
           </p:cNvSpPr>
@@ -4260,10 +4292,10 @@
           <a:bodyPr/>
           <a:lstStyle/>
           <a:p>
-            <a:fld id="{71785113-2223-4021-8CC1-BBA380C8905D}" type="slidenum">
+            <a:fld id="{7BEB69F8-9497-411A-AA0E-D904554A2F44}" type="slidenum">
               <a:rPr lang="en-US"/>
               <a:pPr/>
-              <a:t>34</a:t>
+              <a:t>33</a:t>
             </a:fld>
             <a:endParaRPr lang="en-US"/>
           </a:p>
@@ -4271,7 +4303,7 @@
       </p:sp>
       <p:sp>
         <p:nvSpPr>
-          <p:cNvPr id="50178" name="Rectangle 2"/>
+          <p:cNvPr id="74754" name="Rectangle 2"/>
           <p:cNvSpPr>
             <a:spLocks noGrp="1" noRot="1" noChangeAspect="1" noChangeArrowheads="1" noTextEdit="1"/>
           </p:cNvSpPr>
@@ -4285,7 +4317,7 @@
       </p:sp>
       <p:sp>
         <p:nvSpPr>
-          <p:cNvPr id="50179" name="Rectangle 3"/>
+          <p:cNvPr id="74755" name="Rectangle 3"/>
           <p:cNvSpPr>
             <a:spLocks noGrp="1" noChangeArrowheads="1"/>
           </p:cNvSpPr>
@@ -4298,16 +4330,7 @@
           <a:bodyPr/>
           <a:lstStyle/>
           <a:p>
-            <a:r>
-              <a:rPr lang="en-US"/>
-              <a:t>http://wilkes1.wilkes.edu/~eqc/chlorinecontact.htm</a:t>
-            </a:r>
-          </a:p>
-          <a:p>
-            <a:r>
-              <a:rPr lang="en-US"/>
-              <a:t>This formula was provided by Peter Martin, an associate Engineer with the Contra Costa Water District, and was published in the AWWA Journal AWWA 85:12:12 Dec 1993). </a:t>
-            </a:r>
+            <a:endParaRPr lang="en-US"/>
           </a:p>
         </p:txBody>
       </p:sp>
@@ -4353,10 +4376,10 @@
           <a:bodyPr/>
           <a:lstStyle/>
           <a:p>
-            <a:fld id="{2461D89D-337D-4BBB-B79A-36BC77E7F56F}" type="slidenum">
+            <a:fld id="{71785113-2223-4021-8CC1-BBA380C8905D}" type="slidenum">
               <a:rPr lang="en-US"/>
               <a:pPr/>
-              <a:t>35</a:t>
+              <a:t>34</a:t>
             </a:fld>
             <a:endParaRPr lang="en-US"/>
           </a:p>
@@ -4364,7 +4387,7 @@
       </p:sp>
       <p:sp>
         <p:nvSpPr>
-          <p:cNvPr id="166914" name="Rectangle 2"/>
+          <p:cNvPr id="50178" name="Rectangle 2"/>
           <p:cNvSpPr>
             <a:spLocks noGrp="1" noRot="1" noChangeAspect="1" noChangeArrowheads="1" noTextEdit="1"/>
           </p:cNvSpPr>
@@ -4378,7 +4401,7 @@
       </p:sp>
       <p:sp>
         <p:nvSpPr>
-          <p:cNvPr id="166915" name="Rectangle 3"/>
+          <p:cNvPr id="50179" name="Rectangle 3"/>
           <p:cNvSpPr>
             <a:spLocks noGrp="1" noChangeArrowheads="1"/>
           </p:cNvSpPr>
@@ -4393,7 +4416,13 @@
           <a:p>
             <a:r>
               <a:rPr lang="en-US"/>
-              <a:t>http://www.epa.gov/safewater/mcl.html#mcls</a:t>
+              <a:t>http://wilkes1.wilkes.edu/~eqc/chlorinecontact.htm</a:t>
+            </a:r>
+          </a:p>
+          <a:p>
+            <a:r>
+              <a:rPr lang="en-US"/>
+              <a:t>This formula was provided by Peter Martin, an associate Engineer with the Contra Costa Water District, and was published in the AWWA Journal AWWA 85:12:12 Dec 1993). </a:t>
             </a:r>
           </a:p>
         </p:txBody>
@@ -4440,10 +4469,10 @@
           <a:bodyPr/>
           <a:lstStyle/>
           <a:p>
-            <a:fld id="{2F06BB88-3A39-4FF1-974A-B2C0014C5BEB}" type="slidenum">
+            <a:fld id="{2461D89D-337D-4BBB-B79A-36BC77E7F56F}" type="slidenum">
               <a:rPr lang="en-US"/>
               <a:pPr/>
-              <a:t>37</a:t>
+              <a:t>35</a:t>
             </a:fld>
             <a:endParaRPr lang="en-US"/>
           </a:p>
@@ -4451,7 +4480,7 @@
       </p:sp>
       <p:sp>
         <p:nvSpPr>
-          <p:cNvPr id="156674" name="Rectangle 2"/>
+          <p:cNvPr id="166914" name="Rectangle 2"/>
           <p:cNvSpPr>
             <a:spLocks noGrp="1" noRot="1" noChangeAspect="1" noChangeArrowheads="1" noTextEdit="1"/>
           </p:cNvSpPr>
@@ -4465,7 +4494,7 @@
       </p:sp>
       <p:sp>
         <p:nvSpPr>
-          <p:cNvPr id="156675" name="Rectangle 3"/>
+          <p:cNvPr id="166915" name="Rectangle 3"/>
           <p:cNvSpPr>
             <a:spLocks noGrp="1" noChangeArrowheads="1"/>
           </p:cNvSpPr>
@@ -4480,23 +4509,7 @@
           <a:p>
             <a:r>
               <a:rPr lang="en-US"/>
-              <a:t>Rittmann, B. E. and P. M. Huck (1989). "Biological Treatment of Public Water Supplies." </a:t>
-            </a:r>
-            <a:r>
-              <a:rPr lang="en-US" u="sng"/>
-              <a:t>Critical Reviews in Environmental Control</a:t>
-            </a:r>
-            <a:r>
-              <a:rPr lang="en-US"/>
-              <a:t> </a:t>
-            </a:r>
-            <a:r>
-              <a:rPr lang="en-US" b="1"/>
-              <a:t>19</a:t>
-            </a:r>
-            <a:r>
-              <a:rPr lang="en-US"/>
-              <a:t>(2): 119-184.</a:t>
+              <a:t>http://www.epa.gov/safewater/mcl.html#mcls</a:t>
             </a:r>
           </a:p>
         </p:txBody>
@@ -4630,6 +4643,109 @@
           <a:bodyPr/>
           <a:lstStyle/>
           <a:p>
+            <a:fld id="{2F06BB88-3A39-4FF1-974A-B2C0014C5BEB}" type="slidenum">
+              <a:rPr lang="en-US"/>
+              <a:pPr/>
+              <a:t>37</a:t>
+            </a:fld>
+            <a:endParaRPr lang="en-US"/>
+          </a:p>
+        </p:txBody>
+      </p:sp>
+      <p:sp>
+        <p:nvSpPr>
+          <p:cNvPr id="156674" name="Rectangle 2"/>
+          <p:cNvSpPr>
+            <a:spLocks noGrp="1" noRot="1" noChangeAspect="1" noChangeArrowheads="1" noTextEdit="1"/>
+          </p:cNvSpPr>
+          <p:nvPr>
+            <p:ph type="sldImg"/>
+          </p:nvPr>
+        </p:nvSpPr>
+        <p:spPr>
+          <a:ln/>
+        </p:spPr>
+      </p:sp>
+      <p:sp>
+        <p:nvSpPr>
+          <p:cNvPr id="156675" name="Rectangle 3"/>
+          <p:cNvSpPr>
+            <a:spLocks noGrp="1" noChangeArrowheads="1"/>
+          </p:cNvSpPr>
+          <p:nvPr>
+            <p:ph type="body" idx="1"/>
+          </p:nvPr>
+        </p:nvSpPr>
+        <p:spPr/>
+        <p:txBody>
+          <a:bodyPr/>
+          <a:lstStyle/>
+          <a:p>
+            <a:r>
+              <a:rPr lang="en-US"/>
+              <a:t>Rittmann, B. E. and P. M. Huck (1989). "Biological Treatment of Public Water Supplies." </a:t>
+            </a:r>
+            <a:r>
+              <a:rPr lang="en-US" u="sng"/>
+              <a:t>Critical Reviews in Environmental Control</a:t>
+            </a:r>
+            <a:r>
+              <a:rPr lang="en-US"/>
+              <a:t> </a:t>
+            </a:r>
+            <a:r>
+              <a:rPr lang="en-US" b="1"/>
+              <a:t>19</a:t>
+            </a:r>
+            <a:r>
+              <a:rPr lang="en-US"/>
+              <a:t>(2): 119-184.</a:t>
+            </a:r>
+          </a:p>
+        </p:txBody>
+      </p:sp>
+    </p:spTree>
+  </p:cSld>
+  <p:clrMapOvr>
+    <a:masterClrMapping/>
+  </p:clrMapOvr>
+</p:notes>
+</file>
+
+<file path=ppt/notesSlides/notesSlide31.xml><?xml version="1.0" encoding="utf-8"?>
+<p:notes xmlns:a="http://schemas.openxmlformats.org/drawingml/2006/main" xmlns:r="http://schemas.openxmlformats.org/officeDocument/2006/relationships" xmlns:p="http://schemas.openxmlformats.org/presentationml/2006/main">
+  <p:cSld>
+    <p:spTree>
+      <p:nvGrpSpPr>
+        <p:cNvPr id="1" name=""/>
+        <p:cNvGrpSpPr/>
+        <p:nvPr/>
+      </p:nvGrpSpPr>
+      <p:grpSpPr>
+        <a:xfrm>
+          <a:off x="0" y="0"/>
+          <a:ext cx="0" cy="0"/>
+          <a:chOff x="0" y="0"/>
+          <a:chExt cx="0" cy="0"/>
+        </a:xfrm>
+      </p:grpSpPr>
+      <p:sp>
+        <p:nvSpPr>
+          <p:cNvPr id="7" name="Rectangle 7"/>
+          <p:cNvSpPr>
+            <a:spLocks noGrp="1" noChangeArrowheads="1"/>
+          </p:cNvSpPr>
+          <p:nvPr>
+            <p:ph type="sldNum" sz="quarter" idx="5"/>
+          </p:nvPr>
+        </p:nvSpPr>
+        <p:spPr>
+          <a:ln/>
+        </p:spPr>
+        <p:txBody>
+          <a:bodyPr/>
+          <a:lstStyle/>
+          <a:p>
             <a:fld id="{5B796CB3-725A-49B3-9C1F-CBED9111F2C4}" type="slidenum">
               <a:rPr lang="en-US"/>
               <a:pPr/>
@@ -4686,7 +4802,7 @@
 </p:notes>
 </file>
 
-<file path=ppt/notesSlides/notesSlide31.xml><?xml version="1.0" encoding="utf-8"?>
+<file path=ppt/notesSlides/notesSlide32.xml><?xml version="1.0" encoding="utf-8"?>
 <p:notes xmlns:a="http://schemas.openxmlformats.org/drawingml/2006/main" xmlns:r="http://schemas.openxmlformats.org/officeDocument/2006/relationships" xmlns:p="http://schemas.openxmlformats.org/presentationml/2006/main">
   <p:cSld>
     <p:spTree>
@@ -9096,8 +9212,13 @@
             <a:pPr lvl="1"/>
             <a:r>
               <a:rPr lang="en-US" sz="2000" dirty="0"/>
-              <a:t>Treatment breakthrough</a:t>
-            </a:r>
+              <a:t>Treatment </a:t>
+            </a:r>
+            <a:r>
+              <a:rPr lang="en-US" sz="2000" dirty="0" smtClean="0"/>
+              <a:t>failure</a:t>
+            </a:r>
+            <a:endParaRPr lang="en-US" sz="2000" dirty="0"/>
           </a:p>
           <a:p>
             <a:pPr lvl="1"/>
@@ -9369,7 +9490,7 @@
           <a:graphicData uri="http://schemas.openxmlformats.org/presentationml/2006/ole">
             <mc:AlternateContent xmlns:mc="http://schemas.openxmlformats.org/markup-compatibility/2006">
               <mc:Choice xmlns:v="urn:schemas-microsoft-com:vml" Requires="v">
-                <p:oleObj spid="_x0000_s53271" name="Chart" r:id="rId4" imgW="6696143" imgH="4505415" progId="Excel.Sheet.8">
+                <p:oleObj spid="_x0000_s53273" name="Chart" r:id="rId4" imgW="6696143" imgH="4505415" progId="Excel.Sheet.8">
                   <p:embed followColorScheme="full"/>
                 </p:oleObj>
               </mc:Choice>
@@ -9781,7 +9902,7 @@
           <a:graphicData uri="http://schemas.openxmlformats.org/presentationml/2006/ole">
             <mc:AlternateContent xmlns:mc="http://schemas.openxmlformats.org/markup-compatibility/2006">
               <mc:Choice xmlns:v="urn:schemas-microsoft-com:vml" Requires="v">
-                <p:oleObj spid="_x0000_s358421" name="Chart" r:id="rId3" imgW="6696143" imgH="4505415" progId="Excel.Sheet.8">
+                <p:oleObj spid="_x0000_s358423" name="Chart" r:id="rId3" imgW="6696143" imgH="4505415" progId="Excel.Sheet.8">
                   <p:embed followColorScheme="full"/>
                 </p:oleObj>
               </mc:Choice>
@@ -10020,8 +10141,13 @@
             </a:r>
             <a:r>
               <a:rPr lang="en-US" sz="2800" dirty="0"/>
-              <a:t> residual – 0.4 mg/L C</a:t>
-            </a:r>
+              <a:t> residual – 0.4 mg/L </a:t>
+            </a:r>
+            <a:r>
+              <a:rPr lang="en-US" sz="2800" dirty="0" smtClean="0"/>
+              <a:t>carbon</a:t>
+            </a:r>
+            <a:endParaRPr lang="en-US" sz="2800" dirty="0"/>
           </a:p>
           <a:p>
             <a:r>
@@ -10369,7 +10495,7 @@
             <a:graphicData uri="http://schemas.openxmlformats.org/presentationml/2006/ole">
               <mc:AlternateContent xmlns:mc="http://schemas.openxmlformats.org/markup-compatibility/2006">
                 <mc:Choice xmlns:v="urn:schemas-microsoft-com:vml" Requires="v">
-                  <p:oleObj spid="_x0000_s167965" name="Equation" r:id="rId5" imgW="685800" imgH="380880" progId="Equation.DSMT4">
+                  <p:oleObj spid="_x0000_s167967" name="Equation" r:id="rId5" imgW="685800" imgH="380880" progId="Equation.DSMT4">
                     <p:embed/>
                   </p:oleObj>
                 </mc:Choice>
@@ -19231,14 +19357,27 @@
           <a:p>
             <a:r>
               <a:rPr lang="en-US" dirty="0" smtClean="0"/>
-              <a:t>2 to 800 NTU</a:t>
-            </a:r>
-          </a:p>
-          <a:p>
+              <a:t>Surface water source: </a:t>
+            </a:r>
             <a:r>
               <a:rPr lang="en-US" dirty="0" smtClean="0"/>
-              <a:t>Full AguaClara plant</a:t>
-            </a:r>
+              <a:t>2 </a:t>
+            </a:r>
+            <a:r>
+              <a:rPr lang="en-US" dirty="0" smtClean="0"/>
+              <a:t>to 800 NTU</a:t>
+            </a:r>
+          </a:p>
+          <a:p>
+            <a:r>
+              <a:rPr lang="en-US" dirty="0" smtClean="0"/>
+              <a:t>Full </a:t>
+            </a:r>
+            <a:r>
+              <a:rPr lang="en-US" dirty="0" smtClean="0"/>
+              <a:t>AguaClara (or conventional water treatment plant)</a:t>
+            </a:r>
+            <a:endParaRPr lang="en-US" dirty="0" smtClean="0"/>
           </a:p>
           <a:p>
             <a:endParaRPr lang="en-US" dirty="0"/>
@@ -19269,7 +19408,11 @@
           <a:p>
             <a:r>
               <a:rPr lang="en-US" dirty="0" smtClean="0"/>
-              <a:t>0.5-3 NTU</a:t>
+              <a:t>Surface water source: 0.5-3 </a:t>
+            </a:r>
+            <a:r>
+              <a:rPr lang="en-US" dirty="0" smtClean="0"/>
+              <a:t>NTU</a:t>
             </a:r>
           </a:p>
           <a:p>
@@ -19297,8 +19440,8 @@
         </p:nvSpPr>
         <p:spPr>
           <a:xfrm>
-            <a:off x="924708" y="4741168"/>
-            <a:ext cx="7142184" cy="1384995"/>
+            <a:off x="457200" y="4974433"/>
+            <a:ext cx="8229600" cy="1815882"/>
           </a:xfrm>
           <a:prstGeom prst="rect">
             <a:avLst/>
@@ -19313,7 +19456,15 @@
           <a:p>
             <a:r>
               <a:rPr lang="en-US" dirty="0" smtClean="0"/>
-              <a:t>Compare these two for water quality, customer acceptance, sustainability, what happens during a treatment failure, required water tariff, etc.</a:t>
+              <a:t>Compare these two for water quality, customer acceptance, sustainability, what happens during a treatment failure, </a:t>
+            </a:r>
+            <a:r>
+              <a:rPr lang="en-US" dirty="0" smtClean="0"/>
+              <a:t>ability to handle dissolved organics, required </a:t>
+            </a:r>
+            <a:r>
+              <a:rPr lang="en-US" dirty="0" smtClean="0"/>
+              <a:t>water tariff, etc.</a:t>
             </a:r>
             <a:endParaRPr lang="en-US" dirty="0"/>
           </a:p>
@@ -19420,11 +19571,7 @@
             </a:pPr>
             <a:r>
               <a:rPr lang="en-US" sz="2800" dirty="0"/>
-              <a:t>Then you will likely recommend chlorination as the first line of defense in the </a:t>
-            </a:r>
-            <a:r>
-              <a:rPr lang="en-US" sz="2800" dirty="0"/>
-              <a:t>Majority </a:t>
+              <a:t>Then you will likely recommend chlorination as the first line of defense in the Majority </a:t>
             </a:r>
             <a:r>
               <a:rPr lang="en-US" sz="2800" dirty="0" smtClean="0"/>
@@ -19965,7 +20112,7 @@
           <a:graphicData uri="http://schemas.openxmlformats.org/presentationml/2006/ole">
             <mc:AlternateContent xmlns:mc="http://schemas.openxmlformats.org/markup-compatibility/2006">
               <mc:Choice xmlns:v="urn:schemas-microsoft-com:vml" Requires="v">
-                <p:oleObj spid="_x0000_s134167" name="Chart" r:id="rId4" imgW="4943543" imgH="2866935" progId="Excel.Sheet.8">
+                <p:oleObj spid="_x0000_s134169" name="Chart" r:id="rId4" imgW="4943543" imgH="2866935" progId="Excel.Sheet.8">
                   <p:embed followColorScheme="full"/>
                 </p:oleObj>
               </mc:Choice>
@@ -23988,7 +24135,7 @@
           <a:graphicData uri="http://schemas.openxmlformats.org/presentationml/2006/ole">
             <mc:AlternateContent xmlns:mc="http://schemas.openxmlformats.org/markup-compatibility/2006">
               <mc:Choice xmlns:v="urn:schemas-microsoft-com:vml" Requires="v">
-                <p:oleObj spid="_x0000_s294953" name="Mathcad" r:id="rId3" imgW="1162080" imgH="1438200" progId="Mathcad">
+                <p:oleObj spid="_x0000_s294957" name="Mathcad" r:id="rId3" imgW="1162080" imgH="1438200" progId="Mathcad">
                   <p:embed/>
                 </p:oleObj>
               </mc:Choice>
@@ -24081,7 +24228,7 @@
           <a:graphicData uri="http://schemas.openxmlformats.org/presentationml/2006/ole">
             <mc:AlternateContent xmlns:mc="http://schemas.openxmlformats.org/markup-compatibility/2006">
               <mc:Choice xmlns:v="urn:schemas-microsoft-com:vml" Requires="v">
-                <p:oleObj spid="_x0000_s294954" name="Mathcad" r:id="rId5" imgW="1209600" imgH="1495440" progId="Mathcad">
+                <p:oleObj spid="_x0000_s294958" name="Mathcad" r:id="rId5" imgW="1209600" imgH="1495440" progId="Mathcad">
                   <p:embed/>
                 </p:oleObj>
               </mc:Choice>
@@ -29553,7 +29700,7 @@
           <a:graphicData uri="http://schemas.openxmlformats.org/presentationml/2006/ole">
             <mc:AlternateContent xmlns:mc="http://schemas.openxmlformats.org/markup-compatibility/2006">
               <mc:Choice xmlns:v="urn:schemas-microsoft-com:vml" Requires="v">
-                <p:oleObj spid="_x0000_s145452" name="Worksheet" r:id="rId5" imgW="7267643" imgH="4352835" progId="Excel.Sheet.8">
+                <p:oleObj spid="_x0000_s145454" name="Worksheet" r:id="rId5" imgW="7267643" imgH="4352835" progId="Excel.Sheet.8">
                   <p:embed followColorScheme="full"/>
                 </p:oleObj>
               </mc:Choice>
@@ -30576,7 +30723,7 @@
               </a:tabLst>
             </a:pPr>
             <a:r>
-              <a:rPr lang="en-US" u="sng"/>
+              <a:rPr lang="en-US" u="sng" dirty="0"/>
               <a:t>Treatment type	Credit</a:t>
             </a:r>
           </a:p>
@@ -30589,7 +30736,7 @@
               </a:tabLst>
             </a:pPr>
             <a:r>
-              <a:rPr lang="en-US"/>
+              <a:rPr lang="en-US" dirty="0"/>
               <a:t>Conventional Filtration	99.7%</a:t>
             </a:r>
           </a:p>
@@ -30602,7 +30749,7 @@
               </a:tabLst>
             </a:pPr>
             <a:r>
-              <a:rPr lang="en-US"/>
+              <a:rPr lang="en-US" dirty="0"/>
               <a:t>Direct Filtration*	99%</a:t>
             </a:r>
           </a:p>
@@ -30615,7 +30762,7 @@
               </a:tabLst>
             </a:pPr>
             <a:r>
-              <a:rPr lang="en-US"/>
+              <a:rPr lang="en-US" dirty="0"/>
               <a:t>Disinfection	f(time, conc., pH, Temp.)</a:t>
             </a:r>
           </a:p>
@@ -30744,6 +30891,43 @@
           </a:prstGeom>
         </p:spPr>
       </p:pic>
+      <p:sp>
+        <p:nvSpPr>
+          <p:cNvPr id="3" name="Rectangle 2"/>
+          <p:cNvSpPr/>
+          <p:nvPr/>
+        </p:nvSpPr>
+        <p:spPr>
+          <a:xfrm>
+            <a:off x="685800" y="2630140"/>
+            <a:ext cx="5004896" cy="461665"/>
+          </a:xfrm>
+          <a:prstGeom prst="rect">
+            <a:avLst/>
+          </a:prstGeom>
+          <a:solidFill>
+            <a:schemeClr val="bg1"/>
+          </a:solidFill>
+        </p:spPr>
+        <p:txBody>
+          <a:bodyPr wrap="none">
+            <a:spAutoFit/>
+          </a:bodyPr>
+          <a:lstStyle/>
+          <a:p>
+            <a:r>
+              <a:rPr lang="en-US" sz="2400" kern="0" dirty="0" smtClean="0">
+                <a:solidFill>
+                  <a:srgbClr val="000000"/>
+                </a:solidFill>
+                <a:latin typeface="Candara"/>
+              </a:rPr>
+              <a:t>Flocculation/Sedimentation/Filtration</a:t>
+            </a:r>
+            <a:endParaRPr lang="en-US" sz="2000" dirty="0"/>
+          </a:p>
+        </p:txBody>
+      </p:sp>
     </p:spTree>
   </p:cSld>
   <p:clrMapOvr>
@@ -30781,6 +30965,51 @@
                                     <p:set>
                                       <p:cBhvr>
                                         <p:cTn id="6" dur="1" fill="hold">
+                                          <p:stCondLst>
+                                            <p:cond delay="0"/>
+                                          </p:stCondLst>
+                                        </p:cTn>
+                                        <p:tgtEl>
+                                          <p:spTgt spid="3"/>
+                                        </p:tgtEl>
+                                        <p:attrNameLst>
+                                          <p:attrName>style.visibility</p:attrName>
+                                        </p:attrNameLst>
+                                      </p:cBhvr>
+                                      <p:to>
+                                        <p:strVal val="visible"/>
+                                      </p:to>
+                                    </p:set>
+                                  </p:childTnLst>
+                                </p:cTn>
+                              </p:par>
+                            </p:childTnLst>
+                          </p:cTn>
+                        </p:par>
+                      </p:childTnLst>
+                    </p:cTn>
+                  </p:par>
+                  <p:par>
+                    <p:cTn id="7" fill="hold">
+                      <p:stCondLst>
+                        <p:cond delay="indefinite"/>
+                      </p:stCondLst>
+                      <p:childTnLst>
+                        <p:par>
+                          <p:cTn id="8" fill="hold">
+                            <p:stCondLst>
+                              <p:cond delay="0"/>
+                            </p:stCondLst>
+                            <p:childTnLst>
+                              <p:par>
+                                <p:cTn id="9" presetID="1" presetClass="entr" presetSubtype="0" fill="hold" grpId="0" nodeType="clickEffect">
+                                  <p:stCondLst>
+                                    <p:cond delay="0"/>
+                                  </p:stCondLst>
+                                  <p:childTnLst>
+                                    <p:set>
+                                      <p:cBhvr>
+                                        <p:cTn id="10" dur="1" fill="hold">
                                           <p:stCondLst>
                                             <p:cond delay="499"/>
                                           </p:stCondLst>
@@ -30832,6 +31061,7 @@
     </p:tnLst>
     <p:bldLst>
       <p:bldP spid="22532" grpId="0" build="p" autoUpdateAnimBg="0"/>
+      <p:bldP spid="3" grpId="0" animBg="1"/>
     </p:bldLst>
   </p:timing>
 </p:sld>
@@ -34548,6 +34778,13 @@
   <p:transition>
     <p:fade/>
   </p:transition>
+  <p:timing>
+    <p:tnLst>
+      <p:par>
+        <p:cTn id="1" dur="indefinite" restart="never" nodeType="tmRoot"/>
+      </p:par>
+    </p:tnLst>
+  </p:timing>
 </p:sld>
 </file>
 
@@ -34692,6 +34929,13 @@
   <p:transition>
     <p:fade/>
   </p:transition>
+  <p:timing>
+    <p:tnLst>
+      <p:par>
+        <p:cTn id="1" dur="indefinite" restart="never" nodeType="tmRoot"/>
+      </p:par>
+    </p:tnLst>
+  </p:timing>
 </p:sld>
 </file>
 
@@ -34793,7 +35037,7 @@
           <a:graphicData uri="http://schemas.openxmlformats.org/presentationml/2006/ole">
             <mc:AlternateContent xmlns:mc="http://schemas.openxmlformats.org/markup-compatibility/2006">
               <mc:Choice xmlns:v="urn:schemas-microsoft-com:vml" Requires="v">
-                <p:oleObj spid="_x0000_s154647" name="Worksheet" r:id="rId4" imgW="5524500" imgH="3562440" progId="Excel.Sheet.8">
+                <p:oleObj spid="_x0000_s154649" name="Worksheet" r:id="rId4" imgW="5524500" imgH="3562440" progId="Excel.Sheet.8">
                   <p:embed followColorScheme="full"/>
                 </p:oleObj>
               </mc:Choice>
@@ -34878,6 +35122,13 @@
   <p:transition>
     <p:fade/>
   </p:transition>
+  <p:timing>
+    <p:tnLst>
+      <p:par>
+        <p:cTn id="1" dur="indefinite" restart="never" nodeType="tmRoot"/>
+      </p:par>
+    </p:tnLst>
+  </p:timing>
 </p:sld>
 </file>
 
@@ -35249,7 +35500,15 @@
           <a:p>
             <a:r>
               <a:rPr lang="en-US" sz="2400" dirty="0"/>
-              <a:t>Chlorination cannot replace particle removal for surface waters</a:t>
+              <a:t>Chlorination cannot replace </a:t>
+            </a:r>
+            <a:r>
+              <a:rPr lang="en-US" sz="2400" dirty="0" smtClean="0"/>
+              <a:t>particle and pathogen </a:t>
+            </a:r>
+            <a:r>
+              <a:rPr lang="en-US" sz="2400" dirty="0"/>
+              <a:t>removal for surface waters</a:t>
             </a:r>
           </a:p>
           <a:p>
@@ -35283,6 +35542,13 @@
   <p:transition>
     <p:fade/>
   </p:transition>
+  <p:timing>
+    <p:tnLst>
+      <p:par>
+        <p:cTn id="1" dur="indefinite" restart="never" nodeType="tmRoot"/>
+      </p:par>
+    </p:tnLst>
+  </p:timing>
 </p:sld>
 </file>
 
@@ -35347,8 +35613,42 @@
           </a:p>
           <a:p>
             <a:r>
+              <a:rPr lang="en-US" sz="2800" dirty="0" smtClean="0"/>
+              <a:t>Chlorine concentration is reported as Cl</a:t>
+            </a:r>
+            <a:r>
+              <a:rPr lang="en-US" sz="2800" baseline="-25000" dirty="0" smtClean="0"/>
+              <a:t>2</a:t>
+            </a:r>
+            <a:r>
+              <a:rPr lang="en-US" sz="2800" dirty="0" smtClean="0"/>
+              <a:t> even when in the form of </a:t>
+            </a:r>
+            <a:r>
+              <a:rPr lang="en-US" sz="2800" dirty="0" err="1" smtClean="0"/>
+              <a:t>HOCl</a:t>
+            </a:r>
+            <a:r>
+              <a:rPr lang="en-US" sz="2800" dirty="0" smtClean="0"/>
+              <a:t> or </a:t>
+            </a:r>
+            <a:r>
+              <a:rPr lang="en-US" sz="2800" dirty="0" err="1" smtClean="0"/>
+              <a:t>OCl</a:t>
+            </a:r>
+            <a:r>
+              <a:rPr lang="en-US" sz="2800" dirty="0" smtClean="0"/>
+              <a:t>-</a:t>
+            </a:r>
+          </a:p>
+          <a:p>
+            <a:r>
+              <a:rPr lang="en-US" sz="2800" dirty="0" smtClean="0"/>
+              <a:t>Typical </a:t>
+            </a:r>
+            <a:r>
               <a:rPr lang="en-US" sz="2800" dirty="0"/>
-              <a:t>Typical dosage </a:t>
+              <a:t>dosage </a:t>
             </a:r>
             <a:r>
               <a:rPr lang="en-US" sz="2400" dirty="0"/>
@@ -35375,53 +35675,28 @@
           </a:p>
           <a:p>
             <a:r>
-              <a:rPr lang="en-US" sz="2800" dirty="0" err="1"/>
+              <a:rPr lang="en-US" sz="2800" dirty="0" err="1" smtClean="0"/>
               <a:t>Trihalomethanes</a:t>
             </a:r>
             <a:r>
+              <a:rPr lang="en-US" sz="2800" dirty="0" smtClean="0"/>
+              <a:t> </a:t>
+            </a:r>
+            <a:r>
               <a:rPr lang="en-US" sz="2800" dirty="0"/>
-              <a:t> (EPA primary standard is 80 </a:t>
-            </a:r>
-            <a:r>
-              <a:rPr lang="en-US" sz="2800" dirty="0">
+              <a:t>(EPA primary standard is 80 </a:t>
+            </a:r>
+            <a:r>
+              <a:rPr lang="en-US" sz="2800" dirty="0" smtClean="0">
                 <a:latin typeface="Symbol" pitchFamily="18" charset="2"/>
               </a:rPr>
               <a:t>m</a:t>
             </a:r>
             <a:r>
-              <a:rPr lang="en-US" sz="2800" dirty="0"/>
+              <a:rPr lang="en-US" sz="2800" dirty="0" smtClean="0"/>
               <a:t>g/L)1</a:t>
             </a:r>
-          </a:p>
-          <a:p>
-            <a:r>
-              <a:rPr lang="en-US" sz="2800" dirty="0"/>
-              <a:t>Chlorine concentration is reported as Cl</a:t>
-            </a:r>
-            <a:r>
-              <a:rPr lang="en-US" sz="2800" baseline="-25000" dirty="0"/>
-              <a:t>2</a:t>
-            </a:r>
-            <a:r>
-              <a:rPr lang="en-US" sz="2800" dirty="0"/>
-              <a:t> even when in the form of </a:t>
-            </a:r>
-            <a:r>
-              <a:rPr lang="en-US" sz="2800" dirty="0" err="1"/>
-              <a:t>HOCl</a:t>
-            </a:r>
-            <a:r>
-              <a:rPr lang="en-US" sz="2800" dirty="0"/>
-              <a:t> or </a:t>
-            </a:r>
-            <a:r>
-              <a:rPr lang="en-US" sz="2800" dirty="0" err="1"/>
-              <a:t>OCl</a:t>
-            </a:r>
-            <a:r>
-              <a:rPr lang="en-US" sz="2800" dirty="0"/>
-              <a:t>-</a:t>
-            </a:r>
+            <a:endParaRPr lang="en-US" sz="2800" dirty="0"/>
           </a:p>
         </p:txBody>
       </p:sp>
@@ -35435,7 +35710,7 @@
         </p:nvSpPr>
         <p:spPr bwMode="auto">
           <a:xfrm>
-            <a:off x="6929791" y="2997151"/>
+            <a:off x="6990019" y="3930212"/>
             <a:ext cx="2070626" cy="1143000"/>
           </a:xfrm>
           <a:prstGeom prst="wedgeEllipseCallout">
@@ -35597,8 +35872,19 @@
           <a:p>
             <a:r>
               <a:rPr lang="en-US" dirty="0"/>
-              <a:t>Removal of dissolved organics is important to reduce disinfection byproduct formation</a:t>
-            </a:r>
+              <a:t>Removal of dissolved organics is important to reduce disinfection byproduct </a:t>
+            </a:r>
+            <a:r>
+              <a:rPr lang="en-US" dirty="0" smtClean="0"/>
+              <a:t>formation</a:t>
+            </a:r>
+          </a:p>
+          <a:p>
+            <a:r>
+              <a:rPr lang="en-US" dirty="0" smtClean="0"/>
+              <a:t>Time to investigate alternatives!</a:t>
+            </a:r>
+            <a:endParaRPr lang="en-US" dirty="0"/>
           </a:p>
           <a:p>
             <a:endParaRPr lang="en-US" dirty="0"/>
@@ -35613,6 +35899,13 @@
   <p:transition>
     <p:fade/>
   </p:transition>
+  <p:timing>
+    <p:tnLst>
+      <p:par>
+        <p:cTn id="1" dur="indefinite" restart="never" nodeType="tmRoot"/>
+      </p:par>
+    </p:tnLst>
+  </p:timing>
 </p:sld>
 </file>
 

--- a/Disinfection.pptx
+++ b/Disinfection.pptx
@@ -3008,23 +3008,31 @@
           <a:lstStyle/>
           <a:p>
             <a:r>
-              <a:rPr lang="en-US"/>
-              <a:t>Sobsey, M., T. Fuji, et al. (1991). "Inactivation of cell associated and dispersed Hepatitis A virus in water." </a:t>
-            </a:r>
-            <a:r>
-              <a:rPr lang="en-US" u="sng"/>
-              <a:t>J Am Water Works Assoc</a:t>
-            </a:r>
-            <a:r>
-              <a:rPr lang="en-US"/>
+              <a:rPr lang="en-US" dirty="0" err="1"/>
+              <a:t>Sobsey</a:t>
+            </a:r>
+            <a:r>
+              <a:rPr lang="en-US" dirty="0"/>
+              <a:t>, M., T. Fuji, et al. (1991). "Inactivation of cell associated and dispersed Hepatitis A virus in water." </a:t>
+            </a:r>
+            <a:r>
+              <a:rPr lang="en-US" u="sng" dirty="0"/>
+              <a:t>J Am Water Works </a:t>
+            </a:r>
+            <a:r>
+              <a:rPr lang="en-US" u="sng" dirty="0" err="1"/>
+              <a:t>Assoc</a:t>
+            </a:r>
+            <a:r>
+              <a:rPr lang="en-US" dirty="0"/>
               <a:t> </a:t>
             </a:r>
             <a:r>
-              <a:rPr lang="en-US" b="1"/>
+              <a:rPr lang="en-US" b="1" dirty="0"/>
               <a:t>83</a:t>
             </a:r>
             <a:r>
-              <a:rPr lang="en-US"/>
+              <a:rPr lang="en-US" dirty="0"/>
               <a:t>: 64–67.</a:t>
             </a:r>
           </a:p>
@@ -3908,7 +3916,7 @@
           <a:lstStyle/>
           <a:p>
             <a:r>
-              <a:rPr lang="en-US"/>
+              <a:rPr lang="en-US" dirty="0"/>
               <a:t>http://www.olinchloralkali.com/calculators/calc_table.asp </a:t>
             </a:r>
           </a:p>
@@ -4246,7 +4254,29 @@
           <a:bodyPr/>
           <a:lstStyle/>
           <a:p>
-            <a:endParaRPr lang="en-US"/>
+            <a:r>
+              <a:rPr lang="en-US" dirty="0" smtClean="0"/>
+              <a:t>Floc </a:t>
+            </a:r>
+            <a:r>
+              <a:rPr lang="en-US" dirty="0" err="1" smtClean="0"/>
+              <a:t>sed</a:t>
+            </a:r>
+            <a:r>
+              <a:rPr lang="en-US" dirty="0" smtClean="0"/>
+              <a:t> reduces</a:t>
+            </a:r>
+            <a:r>
+              <a:rPr lang="en-US" baseline="0" dirty="0" smtClean="0"/>
+              <a:t> raw water turbidity to about 1 NTU regardless of the starting NTU. </a:t>
+            </a:r>
+          </a:p>
+          <a:p>
+            <a:r>
+              <a:rPr lang="en-US" baseline="0" dirty="0" smtClean="0"/>
+              <a:t>This approach is the best we have currently. The goal should be to reduce the particle concentration as much as possible.</a:t>
+            </a:r>
+            <a:endParaRPr lang="en-US" dirty="0"/>
           </a:p>
         </p:txBody>
       </p:sp>
@@ -4628,49 +4658,21 @@
       </p:grpSpPr>
       <p:sp>
         <p:nvSpPr>
-          <p:cNvPr id="7" name="Rectangle 7"/>
+          <p:cNvPr id="2" name="Slide Image Placeholder 1"/>
           <p:cNvSpPr>
-            <a:spLocks noGrp="1" noChangeArrowheads="1"/>
-          </p:cNvSpPr>
-          <p:nvPr>
-            <p:ph type="sldNum" sz="quarter" idx="5"/>
-          </p:nvPr>
-        </p:nvSpPr>
-        <p:spPr>
-          <a:ln/>
-        </p:spPr>
-        <p:txBody>
-          <a:bodyPr/>
-          <a:lstStyle/>
-          <a:p>
-            <a:fld id="{2F06BB88-3A39-4FF1-974A-B2C0014C5BEB}" type="slidenum">
-              <a:rPr lang="en-US"/>
-              <a:pPr/>
-              <a:t>37</a:t>
-            </a:fld>
-            <a:endParaRPr lang="en-US"/>
-          </a:p>
-        </p:txBody>
-      </p:sp>
-      <p:sp>
-        <p:nvSpPr>
-          <p:cNvPr id="156674" name="Rectangle 2"/>
-          <p:cNvSpPr>
-            <a:spLocks noGrp="1" noRot="1" noChangeAspect="1" noChangeArrowheads="1" noTextEdit="1"/>
+            <a:spLocks noGrp="1" noRot="1" noChangeAspect="1"/>
           </p:cNvSpPr>
           <p:nvPr>
             <p:ph type="sldImg"/>
           </p:nvPr>
         </p:nvSpPr>
-        <p:spPr>
-          <a:ln/>
-        </p:spPr>
+        <p:spPr/>
       </p:sp>
       <p:sp>
         <p:nvSpPr>
-          <p:cNvPr id="156675" name="Rectangle 3"/>
+          <p:cNvPr id="3" name="Notes Placeholder 2"/>
           <p:cNvSpPr>
-            <a:spLocks noGrp="1" noChangeArrowheads="1"/>
+            <a:spLocks noGrp="1"/>
           </p:cNvSpPr>
           <p:nvPr>
             <p:ph type="body" idx="1"/>
@@ -4682,29 +4684,45 @@
           <a:lstStyle/>
           <a:p>
             <a:r>
-              <a:rPr lang="en-US"/>
-              <a:t>Rittmann, B. E. and P. M. Huck (1989). "Biological Treatment of Public Water Supplies." </a:t>
-            </a:r>
-            <a:r>
-              <a:rPr lang="en-US" u="sng"/>
-              <a:t>Critical Reviews in Environmental Control</a:t>
-            </a:r>
-            <a:r>
-              <a:rPr lang="en-US"/>
-              <a:t> </a:t>
-            </a:r>
-            <a:r>
-              <a:rPr lang="en-US" b="1"/>
-              <a:t>19</a:t>
-            </a:r>
-            <a:r>
-              <a:rPr lang="en-US"/>
-              <a:t>(2): 119-184.</a:t>
-            </a:r>
+              <a:rPr lang="en-US" dirty="0" smtClean="0">
+                <a:hlinkClick r:id="rId3"/>
+              </a:rPr>
+              <a:t>https://www.cdc.gov/healthywater/burden/current-data.html</a:t>
+            </a:r>
+            <a:endParaRPr lang="en-US" dirty="0"/>
+          </a:p>
+        </p:txBody>
+      </p:sp>
+      <p:sp>
+        <p:nvSpPr>
+          <p:cNvPr id="4" name="Slide Number Placeholder 3"/>
+          <p:cNvSpPr>
+            <a:spLocks noGrp="1"/>
+          </p:cNvSpPr>
+          <p:nvPr>
+            <p:ph type="sldNum" sz="quarter" idx="10"/>
+          </p:nvPr>
+        </p:nvSpPr>
+        <p:spPr/>
+        <p:txBody>
+          <a:bodyPr/>
+          <a:lstStyle/>
+          <a:p>
+            <a:fld id="{5046825D-39B6-4240-A9AF-FAF0EE688E71}" type="slidenum">
+              <a:rPr lang="en-US" smtClean="0"/>
+              <a:pPr/>
+              <a:t>36</a:t>
+            </a:fld>
+            <a:endParaRPr lang="en-US"/>
           </a:p>
         </p:txBody>
       </p:sp>
     </p:spTree>
+    <p:extLst>
+      <p:ext uri="{BB962C8B-B14F-4D97-AF65-F5344CB8AC3E}">
+        <p14:creationId xmlns:p14="http://schemas.microsoft.com/office/powerpoint/2010/main" val="4128932392"/>
+      </p:ext>
+    </p:extLst>
   </p:cSld>
   <p:clrMapOvr>
     <a:masterClrMapping/>
@@ -4746,6 +4764,109 @@
           <a:bodyPr/>
           <a:lstStyle/>
           <a:p>
+            <a:fld id="{2F06BB88-3A39-4FF1-974A-B2C0014C5BEB}" type="slidenum">
+              <a:rPr lang="en-US"/>
+              <a:pPr/>
+              <a:t>37</a:t>
+            </a:fld>
+            <a:endParaRPr lang="en-US"/>
+          </a:p>
+        </p:txBody>
+      </p:sp>
+      <p:sp>
+        <p:nvSpPr>
+          <p:cNvPr id="156674" name="Rectangle 2"/>
+          <p:cNvSpPr>
+            <a:spLocks noGrp="1" noRot="1" noChangeAspect="1" noChangeArrowheads="1" noTextEdit="1"/>
+          </p:cNvSpPr>
+          <p:nvPr>
+            <p:ph type="sldImg"/>
+          </p:nvPr>
+        </p:nvSpPr>
+        <p:spPr>
+          <a:ln/>
+        </p:spPr>
+      </p:sp>
+      <p:sp>
+        <p:nvSpPr>
+          <p:cNvPr id="156675" name="Rectangle 3"/>
+          <p:cNvSpPr>
+            <a:spLocks noGrp="1" noChangeArrowheads="1"/>
+          </p:cNvSpPr>
+          <p:nvPr>
+            <p:ph type="body" idx="1"/>
+          </p:nvPr>
+        </p:nvSpPr>
+        <p:spPr/>
+        <p:txBody>
+          <a:bodyPr/>
+          <a:lstStyle/>
+          <a:p>
+            <a:r>
+              <a:rPr lang="en-US"/>
+              <a:t>Rittmann, B. E. and P. M. Huck (1989). "Biological Treatment of Public Water Supplies." </a:t>
+            </a:r>
+            <a:r>
+              <a:rPr lang="en-US" u="sng"/>
+              <a:t>Critical Reviews in Environmental Control</a:t>
+            </a:r>
+            <a:r>
+              <a:rPr lang="en-US"/>
+              <a:t> </a:t>
+            </a:r>
+            <a:r>
+              <a:rPr lang="en-US" b="1"/>
+              <a:t>19</a:t>
+            </a:r>
+            <a:r>
+              <a:rPr lang="en-US"/>
+              <a:t>(2): 119-184.</a:t>
+            </a:r>
+          </a:p>
+        </p:txBody>
+      </p:sp>
+    </p:spTree>
+  </p:cSld>
+  <p:clrMapOvr>
+    <a:masterClrMapping/>
+  </p:clrMapOvr>
+</p:notes>
+</file>
+
+<file path=ppt/notesSlides/notesSlide32.xml><?xml version="1.0" encoding="utf-8"?>
+<p:notes xmlns:a="http://schemas.openxmlformats.org/drawingml/2006/main" xmlns:r="http://schemas.openxmlformats.org/officeDocument/2006/relationships" xmlns:p="http://schemas.openxmlformats.org/presentationml/2006/main">
+  <p:cSld>
+    <p:spTree>
+      <p:nvGrpSpPr>
+        <p:cNvPr id="1" name=""/>
+        <p:cNvGrpSpPr/>
+        <p:nvPr/>
+      </p:nvGrpSpPr>
+      <p:grpSpPr>
+        <a:xfrm>
+          <a:off x="0" y="0"/>
+          <a:ext cx="0" cy="0"/>
+          <a:chOff x="0" y="0"/>
+          <a:chExt cx="0" cy="0"/>
+        </a:xfrm>
+      </p:grpSpPr>
+      <p:sp>
+        <p:nvSpPr>
+          <p:cNvPr id="7" name="Rectangle 7"/>
+          <p:cNvSpPr>
+            <a:spLocks noGrp="1" noChangeArrowheads="1"/>
+          </p:cNvSpPr>
+          <p:nvPr>
+            <p:ph type="sldNum" sz="quarter" idx="5"/>
+          </p:nvPr>
+        </p:nvSpPr>
+        <p:spPr>
+          <a:ln/>
+        </p:spPr>
+        <p:txBody>
+          <a:bodyPr/>
+          <a:lstStyle/>
+          <a:p>
             <a:fld id="{5B796CB3-725A-49B3-9C1F-CBED9111F2C4}" type="slidenum">
               <a:rPr lang="en-US"/>
               <a:pPr/>
@@ -4802,7 +4923,7 @@
 </p:notes>
 </file>
 
-<file path=ppt/notesSlides/notesSlide32.xml><?xml version="1.0" encoding="utf-8"?>
+<file path=ppt/notesSlides/notesSlide33.xml><?xml version="1.0" encoding="utf-8"?>
 <p:notes xmlns:a="http://schemas.openxmlformats.org/drawingml/2006/main" xmlns:r="http://schemas.openxmlformats.org/officeDocument/2006/relationships" xmlns:p="http://schemas.openxmlformats.org/presentationml/2006/main">
   <p:cSld>
     <p:spTree>
@@ -9277,6 +9398,36 @@
           </a:p>
         </p:txBody>
       </p:sp>
+      <p:sp>
+        <p:nvSpPr>
+          <p:cNvPr id="4" name="TextBox 3"/>
+          <p:cNvSpPr txBox="1"/>
+          <p:nvPr/>
+        </p:nvSpPr>
+        <p:spPr>
+          <a:xfrm>
+            <a:off x="6545425" y="2183363"/>
+            <a:ext cx="2505269" cy="1200329"/>
+          </a:xfrm>
+          <a:prstGeom prst="rect">
+            <a:avLst/>
+          </a:prstGeom>
+          <a:noFill/>
+        </p:spPr>
+        <p:txBody>
+          <a:bodyPr wrap="square" rtlCol="0">
+            <a:spAutoFit/>
+          </a:bodyPr>
+          <a:lstStyle/>
+          <a:p>
+            <a:r>
+              <a:rPr lang="en-US" sz="2400" dirty="0" smtClean="0"/>
+              <a:t>Groundwater doesn’t require chlorine!?!?</a:t>
+            </a:r>
+            <a:endParaRPr lang="en-US" sz="2400" dirty="0"/>
+          </a:p>
+        </p:txBody>
+      </p:sp>
     </p:spTree>
   </p:cSld>
   <p:clrMapOvr>
@@ -9288,9 +9439,80 @@
   <p:timing>
     <p:tnLst>
       <p:par>
-        <p:cTn id="1" dur="indefinite" restart="never" nodeType="tmRoot"/>
+        <p:cTn id="1" dur="indefinite" restart="never" nodeType="tmRoot">
+          <p:childTnLst>
+            <p:seq concurrent="1" nextAc="seek">
+              <p:cTn id="2" dur="indefinite" nodeType="mainSeq">
+                <p:childTnLst>
+                  <p:par>
+                    <p:cTn id="3" fill="hold">
+                      <p:stCondLst>
+                        <p:cond delay="indefinite"/>
+                      </p:stCondLst>
+                      <p:childTnLst>
+                        <p:par>
+                          <p:cTn id="4" fill="hold">
+                            <p:stCondLst>
+                              <p:cond delay="0"/>
+                            </p:stCondLst>
+                            <p:childTnLst>
+                              <p:par>
+                                <p:cTn id="5" presetID="1" presetClass="entr" presetSubtype="0" fill="hold" grpId="0" nodeType="clickEffect">
+                                  <p:stCondLst>
+                                    <p:cond delay="0"/>
+                                  </p:stCondLst>
+                                  <p:childTnLst>
+                                    <p:set>
+                                      <p:cBhvr>
+                                        <p:cTn id="6" dur="1" fill="hold">
+                                          <p:stCondLst>
+                                            <p:cond delay="0"/>
+                                          </p:stCondLst>
+                                        </p:cTn>
+                                        <p:tgtEl>
+                                          <p:spTgt spid="4"/>
+                                        </p:tgtEl>
+                                        <p:attrNameLst>
+                                          <p:attrName>style.visibility</p:attrName>
+                                        </p:attrNameLst>
+                                      </p:cBhvr>
+                                      <p:to>
+                                        <p:strVal val="visible"/>
+                                      </p:to>
+                                    </p:set>
+                                  </p:childTnLst>
+                                </p:cTn>
+                              </p:par>
+                            </p:childTnLst>
+                          </p:cTn>
+                        </p:par>
+                      </p:childTnLst>
+                    </p:cTn>
+                  </p:par>
+                </p:childTnLst>
+              </p:cTn>
+              <p:prevCondLst>
+                <p:cond evt="onPrev" delay="0">
+                  <p:tgtEl>
+                    <p:sldTgt/>
+                  </p:tgtEl>
+                </p:cond>
+              </p:prevCondLst>
+              <p:nextCondLst>
+                <p:cond evt="onNext" delay="0">
+                  <p:tgtEl>
+                    <p:sldTgt/>
+                  </p:tgtEl>
+                </p:cond>
+              </p:nextCondLst>
+            </p:seq>
+          </p:childTnLst>
+        </p:cTn>
       </p:par>
     </p:tnLst>
+    <p:bldLst>
+      <p:bldP spid="4" grpId="0"/>
+    </p:bldLst>
   </p:timing>
 </p:sld>
 </file>
@@ -9490,7 +9712,7 @@
           <a:graphicData uri="http://schemas.openxmlformats.org/presentationml/2006/ole">
             <mc:AlternateContent xmlns:mc="http://schemas.openxmlformats.org/markup-compatibility/2006">
               <mc:Choice xmlns:v="urn:schemas-microsoft-com:vml" Requires="v">
-                <p:oleObj spid="_x0000_s53273" name="Chart" r:id="rId4" imgW="6696143" imgH="4505415" progId="Excel.Sheet.8">
+                <p:oleObj spid="_x0000_s53278" name="Chart" r:id="rId4" imgW="6696143" imgH="4505415" progId="Excel.Sheet.8">
                   <p:embed followColorScheme="full"/>
                 </p:oleObj>
               </mc:Choice>
@@ -9902,7 +10124,7 @@
           <a:graphicData uri="http://schemas.openxmlformats.org/presentationml/2006/ole">
             <mc:AlternateContent xmlns:mc="http://schemas.openxmlformats.org/markup-compatibility/2006">
               <mc:Choice xmlns:v="urn:schemas-microsoft-com:vml" Requires="v">
-                <p:oleObj spid="_x0000_s358423" name="Chart" r:id="rId3" imgW="6696143" imgH="4505415" progId="Excel.Sheet.8">
+                <p:oleObj spid="_x0000_s358428" name="Chart" r:id="rId3" imgW="6696143" imgH="4505415" progId="Excel.Sheet.8">
                   <p:embed followColorScheme="full"/>
                 </p:oleObj>
               </mc:Choice>
@@ -10495,7 +10717,7 @@
             <a:graphicData uri="http://schemas.openxmlformats.org/presentationml/2006/ole">
               <mc:AlternateContent xmlns:mc="http://schemas.openxmlformats.org/markup-compatibility/2006">
                 <mc:Choice xmlns:v="urn:schemas-microsoft-com:vml" Requires="v">
-                  <p:oleObj spid="_x0000_s167967" name="Equation" r:id="rId5" imgW="685800" imgH="380880" progId="Equation.DSMT4">
+                  <p:oleObj spid="_x0000_s167972" name="Equation" r:id="rId5" imgW="685800" imgH="380880" progId="Equation.DSMT4">
                     <p:embed/>
                   </p:oleObj>
                 </mc:Choice>
@@ -15240,8 +15462,13 @@
           <a:p>
             <a:r>
               <a:rPr lang="en-US" sz="2800" dirty="0"/>
-              <a:t>It kills stuff (               )</a:t>
-            </a:r>
+              <a:t>It kills </a:t>
+            </a:r>
+            <a:r>
+              <a:rPr lang="en-US" sz="2800" dirty="0" smtClean="0"/>
+              <a:t>stuff</a:t>
+            </a:r>
+            <a:endParaRPr lang="en-US" sz="2800" dirty="0"/>
           </a:p>
           <a:p>
             <a:r>
@@ -15295,48 +15522,6 @@
             <a:r>
               <a:rPr lang="en-US" sz="2400" dirty="0"/>
               <a:t>Very few pathogens multiply in drinking water</a:t>
-            </a:r>
-          </a:p>
-        </p:txBody>
-      </p:sp>
-      <p:sp>
-        <p:nvSpPr>
-          <p:cNvPr id="188420" name="Text Box 4"/>
-          <p:cNvSpPr txBox="1">
-            <a:spLocks noChangeArrowheads="1"/>
-          </p:cNvSpPr>
-          <p:nvPr/>
-        </p:nvSpPr>
-        <p:spPr bwMode="auto">
-          <a:xfrm>
-            <a:off x="2650226" y="1577384"/>
-            <a:ext cx="1438214" cy="523220"/>
-          </a:xfrm>
-          <a:prstGeom prst="rect">
-            <a:avLst/>
-          </a:prstGeom>
-          <a:noFill/>
-          <a:ln w="12700">
-            <a:noFill/>
-            <a:miter lim="800000"/>
-            <a:headEnd type="none" w="lg" len="med"/>
-            <a:tailEnd type="none" w="lg" len="med"/>
-          </a:ln>
-          <a:effectLst/>
-        </p:spPr>
-        <p:txBody>
-          <a:bodyPr wrap="none">
-            <a:spAutoFit/>
-          </a:bodyPr>
-          <a:lstStyle/>
-          <a:p>
-            <a:r>
-              <a:rPr lang="en-US" dirty="0">
-                <a:solidFill>
-                  <a:schemeClr val="folHlink"/>
-                </a:solidFill>
-              </a:rPr>
-              <a:t>Revenge</a:t>
             </a:r>
           </a:p>
         </p:txBody>
@@ -15352,80 +15537,9 @@
   <p:timing>
     <p:tnLst>
       <p:par>
-        <p:cTn id="1" dur="indefinite" restart="never" nodeType="tmRoot">
-          <p:childTnLst>
-            <p:seq concurrent="1" nextAc="seek">
-              <p:cTn id="2" dur="indefinite" nodeType="mainSeq">
-                <p:childTnLst>
-                  <p:par>
-                    <p:cTn id="3" fill="hold">
-                      <p:stCondLst>
-                        <p:cond delay="indefinite"/>
-                      </p:stCondLst>
-                      <p:childTnLst>
-                        <p:par>
-                          <p:cTn id="4" fill="hold">
-                            <p:stCondLst>
-                              <p:cond delay="0"/>
-                            </p:stCondLst>
-                            <p:childTnLst>
-                              <p:par>
-                                <p:cTn id="5" presetID="1" presetClass="entr" presetSubtype="0" fill="hold" grpId="0" nodeType="clickEffect">
-                                  <p:stCondLst>
-                                    <p:cond delay="0"/>
-                                  </p:stCondLst>
-                                  <p:childTnLst>
-                                    <p:set>
-                                      <p:cBhvr>
-                                        <p:cTn id="6" dur="1" fill="hold">
-                                          <p:stCondLst>
-                                            <p:cond delay="0"/>
-                                          </p:stCondLst>
-                                        </p:cTn>
-                                        <p:tgtEl>
-                                          <p:spTgt spid="188420"/>
-                                        </p:tgtEl>
-                                        <p:attrNameLst>
-                                          <p:attrName>style.visibility</p:attrName>
-                                        </p:attrNameLst>
-                                      </p:cBhvr>
-                                      <p:to>
-                                        <p:strVal val="visible"/>
-                                      </p:to>
-                                    </p:set>
-                                  </p:childTnLst>
-                                </p:cTn>
-                              </p:par>
-                            </p:childTnLst>
-                          </p:cTn>
-                        </p:par>
-                      </p:childTnLst>
-                    </p:cTn>
-                  </p:par>
-                </p:childTnLst>
-              </p:cTn>
-              <p:prevCondLst>
-                <p:cond evt="onPrev" delay="0">
-                  <p:tgtEl>
-                    <p:sldTgt/>
-                  </p:tgtEl>
-                </p:cond>
-              </p:prevCondLst>
-              <p:nextCondLst>
-                <p:cond evt="onNext" delay="0">
-                  <p:tgtEl>
-                    <p:sldTgt/>
-                  </p:tgtEl>
-                </p:cond>
-              </p:nextCondLst>
-            </p:seq>
-          </p:childTnLst>
-        </p:cTn>
+        <p:cTn id="1" dur="indefinite" restart="never" nodeType="tmRoot"/>
       </p:par>
     </p:tnLst>
-    <p:bldLst>
-      <p:bldP spid="188420" grpId="0"/>
-    </p:bldLst>
   </p:timing>
 </p:sld>
 </file>
@@ -19357,27 +19471,14 @@
           <a:p>
             <a:r>
               <a:rPr lang="en-US" dirty="0" smtClean="0"/>
-              <a:t>Surface water source: </a:t>
-            </a:r>
+              <a:t>Surface water source: 2 to 800 NTU</a:t>
+            </a:r>
+          </a:p>
+          <a:p>
             <a:r>
               <a:rPr lang="en-US" dirty="0" smtClean="0"/>
-              <a:t>2 </a:t>
-            </a:r>
-            <a:r>
-              <a:rPr lang="en-US" dirty="0" smtClean="0"/>
-              <a:t>to 800 NTU</a:t>
-            </a:r>
-          </a:p>
-          <a:p>
-            <a:r>
-              <a:rPr lang="en-US" dirty="0" smtClean="0"/>
-              <a:t>Full </a:t>
-            </a:r>
-            <a:r>
-              <a:rPr lang="en-US" dirty="0" smtClean="0"/>
-              <a:t>AguaClara (or conventional water treatment plant)</a:t>
-            </a:r>
-            <a:endParaRPr lang="en-US" dirty="0" smtClean="0"/>
+              <a:t>Full AguaClara (or conventional water treatment plant)</a:t>
+            </a:r>
           </a:p>
           <a:p>
             <a:endParaRPr lang="en-US" dirty="0"/>
@@ -19408,11 +19509,7 @@
           <a:p>
             <a:r>
               <a:rPr lang="en-US" dirty="0" smtClean="0"/>
-              <a:t>Surface water source: 0.5-3 </a:t>
-            </a:r>
-            <a:r>
-              <a:rPr lang="en-US" dirty="0" smtClean="0"/>
-              <a:t>NTU</a:t>
+              <a:t>Surface water source: 0.5-3 NTU</a:t>
             </a:r>
           </a:p>
           <a:p>
@@ -19456,15 +19553,7 @@
           <a:p>
             <a:r>
               <a:rPr lang="en-US" dirty="0" smtClean="0"/>
-              <a:t>Compare these two for water quality, customer acceptance, sustainability, what happens during a treatment failure, </a:t>
-            </a:r>
-            <a:r>
-              <a:rPr lang="en-US" dirty="0" smtClean="0"/>
-              <a:t>ability to handle dissolved organics, required </a:t>
-            </a:r>
-            <a:r>
-              <a:rPr lang="en-US" dirty="0" smtClean="0"/>
-              <a:t>water tariff, etc.</a:t>
+              <a:t>Compare these two for water quality, customer acceptance, sustainability, what happens during a treatment failure, ability to handle dissolved organics, required water tariff, etc.</a:t>
             </a:r>
             <a:endParaRPr lang="en-US" dirty="0"/>
           </a:p>
@@ -19636,8 +19725,24 @@
             </a:pPr>
             <a:r>
               <a:rPr lang="en-US" sz="2000" dirty="0"/>
-              <a:t>that contains pathogens embedded in organic particles</a:t>
-            </a:r>
+              <a:t>that contains pathogens embedded in organic </a:t>
+            </a:r>
+            <a:r>
+              <a:rPr lang="en-US" sz="2000" dirty="0" smtClean="0"/>
+              <a:t>particles</a:t>
+            </a:r>
+          </a:p>
+          <a:p>
+            <a:pPr lvl="2">
+              <a:lnSpc>
+                <a:spcPct val="80000"/>
+              </a:lnSpc>
+            </a:pPr>
+            <a:r>
+              <a:rPr lang="en-US" sz="2000" dirty="0" smtClean="0"/>
+              <a:t>that produces disinfection byproducts</a:t>
+            </a:r>
+            <a:endParaRPr lang="en-US" sz="2000" dirty="0"/>
           </a:p>
           <a:p>
             <a:pPr lvl="1">
@@ -20112,7 +20217,7 @@
           <a:graphicData uri="http://schemas.openxmlformats.org/presentationml/2006/ole">
             <mc:AlternateContent xmlns:mc="http://schemas.openxmlformats.org/markup-compatibility/2006">
               <mc:Choice xmlns:v="urn:schemas-microsoft-com:vml" Requires="v">
-                <p:oleObj spid="_x0000_s134169" name="Chart" r:id="rId4" imgW="4943543" imgH="2866935" progId="Excel.Sheet.8">
+                <p:oleObj spid="_x0000_s134174" name="Chart" r:id="rId4" imgW="4943543" imgH="2866935" progId="Excel.Sheet.8">
                   <p:embed followColorScheme="full"/>
                 </p:oleObj>
               </mc:Choice>
@@ -20595,7 +20700,13 @@
           <p:cNvGraphicFramePr>
             <a:graphicFrameLocks noGrp="1"/>
           </p:cNvGraphicFramePr>
-          <p:nvPr/>
+          <p:nvPr>
+            <p:extLst>
+              <p:ext uri="{D42A27DB-BD31-4B8C-83A1-F6EECF244321}">
+                <p14:modId xmlns:p14="http://schemas.microsoft.com/office/powerpoint/2010/main" val="3347294016"/>
+              </p:ext>
+            </p:extLst>
+          </p:nvPr>
         </p:nvGraphicFramePr>
         <p:xfrm>
           <a:off x="415925" y="4594225"/>
@@ -20686,7 +20797,7 @@
                         <a:tabLst/>
                       </a:pPr>
                       <a:r>
-                        <a:rPr kumimoji="0" lang="en-US" sz="1400" b="0" i="0" u="none" strike="noStrike" cap="none" normalizeH="0" baseline="0">
+                        <a:rPr kumimoji="0" lang="en-US" sz="1400" b="0" i="0" u="none" strike="noStrike" cap="none" normalizeH="0" baseline="0" dirty="0">
                           <a:ln>
                             <a:noFill/>
                           </a:ln>
@@ -20697,9 +20808,37 @@
                           <a:latin typeface="Arial" charset="0"/>
                           <a:cs typeface="Arial" charset="0"/>
                         </a:rPr>
-                        <a:t>Bleach Concentration in terms of sodium hypochlorite (NaOCL)</a:t>
+                        <a:t>Bleach Concentration in terms of sodium hypochlorite (</a:t>
                       </a:r>
-                      <a:endParaRPr kumimoji="0" lang="en-US" sz="2400" b="0" i="0" u="none" strike="noStrike" cap="none" normalizeH="0" baseline="0">
+                      <a:r>
+                        <a:rPr kumimoji="0" lang="en-US" sz="1400" b="0" i="0" u="none" strike="noStrike" cap="none" normalizeH="0" baseline="0" dirty="0" err="1" smtClean="0">
+                          <a:ln>
+                            <a:noFill/>
+                          </a:ln>
+                          <a:solidFill>
+                            <a:schemeClr val="tx1"/>
+                          </a:solidFill>
+                          <a:effectLst/>
+                          <a:latin typeface="Arial" charset="0"/>
+                          <a:cs typeface="Arial" charset="0"/>
+                        </a:rPr>
+                        <a:t>NaOCl</a:t>
+                      </a:r>
+                      <a:r>
+                        <a:rPr kumimoji="0" lang="en-US" sz="1400" b="0" i="0" u="none" strike="noStrike" cap="none" normalizeH="0" baseline="0" dirty="0" smtClean="0">
+                          <a:ln>
+                            <a:noFill/>
+                          </a:ln>
+                          <a:solidFill>
+                            <a:schemeClr val="tx1"/>
+                          </a:solidFill>
+                          <a:effectLst/>
+                          <a:latin typeface="Arial" charset="0"/>
+                          <a:cs typeface="Arial" charset="0"/>
+                        </a:rPr>
+                        <a:t>)</a:t>
+                      </a:r>
+                      <a:endParaRPr kumimoji="0" lang="en-US" sz="2400" b="0" i="0" u="none" strike="noStrike" cap="none" normalizeH="0" baseline="0" dirty="0">
                         <a:ln>
                           <a:noFill/>
                         </a:ln>
@@ -23981,7 +24120,7 @@
                         <a:tabLst/>
                       </a:pPr>
                       <a:r>
-                        <a:rPr kumimoji="0" lang="en-US" sz="1400" b="0" i="0" u="none" strike="noStrike" cap="none" normalizeH="0" baseline="0">
+                        <a:rPr kumimoji="0" lang="en-US" sz="1400" b="0" i="0" u="none" strike="noStrike" cap="none" normalizeH="0" baseline="0" dirty="0">
                           <a:ln>
                             <a:noFill/>
                           </a:ln>
@@ -23994,7 +24133,7 @@
                         </a:rPr>
                         <a:t>1.24</a:t>
                       </a:r>
-                      <a:endParaRPr kumimoji="0" lang="en-US" sz="2400" b="0" i="0" u="none" strike="noStrike" cap="none" normalizeH="0" baseline="0">
+                      <a:endParaRPr kumimoji="0" lang="en-US" sz="2400" b="0" i="0" u="none" strike="noStrike" cap="none" normalizeH="0" baseline="0" dirty="0">
                         <a:ln>
                           <a:noFill/>
                         </a:ln>
@@ -24135,7 +24274,7 @@
           <a:graphicData uri="http://schemas.openxmlformats.org/presentationml/2006/ole">
             <mc:AlternateContent xmlns:mc="http://schemas.openxmlformats.org/markup-compatibility/2006">
               <mc:Choice xmlns:v="urn:schemas-microsoft-com:vml" Requires="v">
-                <p:oleObj spid="_x0000_s294957" name="Mathcad" r:id="rId3" imgW="1162080" imgH="1438200" progId="Mathcad">
+                <p:oleObj spid="_x0000_s294967" name="Mathcad" r:id="rId3" imgW="1162080" imgH="1438200" progId="Mathcad">
                   <p:embed/>
                 </p:oleObj>
               </mc:Choice>
@@ -24228,7 +24367,7 @@
           <a:graphicData uri="http://schemas.openxmlformats.org/presentationml/2006/ole">
             <mc:AlternateContent xmlns:mc="http://schemas.openxmlformats.org/markup-compatibility/2006">
               <mc:Choice xmlns:v="urn:schemas-microsoft-com:vml" Requires="v">
-                <p:oleObj spid="_x0000_s294958" name="Mathcad" r:id="rId5" imgW="1209600" imgH="1495440" progId="Mathcad">
+                <p:oleObj spid="_x0000_s294968" name="Mathcad" r:id="rId5" imgW="1209600" imgH="1495440" progId="Mathcad">
                   <p:embed/>
                 </p:oleObj>
               </mc:Choice>
@@ -29700,7 +29839,7 @@
           <a:graphicData uri="http://schemas.openxmlformats.org/presentationml/2006/ole">
             <mc:AlternateContent xmlns:mc="http://schemas.openxmlformats.org/markup-compatibility/2006">
               <mc:Choice xmlns:v="urn:schemas-microsoft-com:vml" Requires="v">
-                <p:oleObj spid="_x0000_s145454" name="Worksheet" r:id="rId5" imgW="7267643" imgH="4352835" progId="Excel.Sheet.8">
+                <p:oleObj spid="_x0000_s145459" name="Worksheet" r:id="rId5" imgW="7267643" imgH="4352835" progId="Excel.Sheet.8">
                   <p:embed followColorScheme="full"/>
                 </p:oleObj>
               </mc:Choice>
@@ -30925,6 +31064,36 @@
               <a:t>Flocculation/Sedimentation/Filtration</a:t>
             </a:r>
             <a:endParaRPr lang="en-US" sz="2000" dirty="0"/>
+          </a:p>
+        </p:txBody>
+      </p:sp>
+      <p:sp>
+        <p:nvSpPr>
+          <p:cNvPr id="2" name="TextBox 1"/>
+          <p:cNvSpPr txBox="1"/>
+          <p:nvPr/>
+        </p:nvSpPr>
+        <p:spPr>
+          <a:xfrm>
+            <a:off x="7289" y="6207126"/>
+            <a:ext cx="9129422" cy="523220"/>
+          </a:xfrm>
+          <a:prstGeom prst="rect">
+            <a:avLst/>
+          </a:prstGeom>
+          <a:noFill/>
+        </p:spPr>
+        <p:txBody>
+          <a:bodyPr wrap="none" rtlCol="0">
+            <a:spAutoFit/>
+          </a:bodyPr>
+          <a:lstStyle/>
+          <a:p>
+            <a:r>
+              <a:rPr lang="en-US" dirty="0" smtClean="0"/>
+              <a:t>What is wrong with the concept of credit for percent removal?</a:t>
+            </a:r>
+            <a:endParaRPr lang="en-US" dirty="0"/>
           </a:p>
         </p:txBody>
       </p:sp>
@@ -34848,7 +35017,7 @@
             </a:r>
             <a:r>
               <a:rPr lang="en-US" sz="2400" dirty="0">
-                <a:hlinkClick r:id="rId3"/>
+                <a:hlinkClick r:id="rId4"/>
               </a:rPr>
               <a:t>http://www.cancer.gov/cancertopics/types/bladder</a:t>
             </a:r>
@@ -34864,7 +35033,7 @@
             </a:r>
             <a:r>
               <a:rPr lang="en-US" sz="2000" dirty="0">
-                <a:hlinkClick r:id="rId4"/>
+                <a:hlinkClick r:id="rId5"/>
               </a:rPr>
               <a:t>http://www.ncbi.nlm.nih.gov/pubmed/8932920</a:t>
             </a:r>
@@ -34876,8 +35045,27 @@
           <a:p>
             <a:r>
               <a:rPr lang="en-US" dirty="0"/>
-              <a:t>1/139,000 people may die from bladder cancer from exposure to chlorination by-products</a:t>
-            </a:r>
+              <a:t>1/139,000 people may die from bladder cancer from exposure to chlorination </a:t>
+            </a:r>
+            <a:r>
+              <a:rPr lang="en-US" dirty="0" smtClean="0"/>
+              <a:t>by-products</a:t>
+            </a:r>
+          </a:p>
+          <a:p>
+            <a:r>
+              <a:rPr lang="en-US" dirty="0" smtClean="0"/>
+              <a:t>6,939 deaths/</a:t>
+            </a:r>
+            <a:r>
+              <a:rPr lang="en-US" dirty="0" err="1" smtClean="0"/>
+              <a:t>yr</a:t>
+            </a:r>
+            <a:r>
+              <a:rPr lang="en-US" dirty="0" smtClean="0"/>
+              <a:t> (2017)  from pathogens that can be waterborne</a:t>
+            </a:r>
+            <a:endParaRPr lang="en-US" dirty="0"/>
           </a:p>
         </p:txBody>
       </p:sp>
@@ -34900,7 +35088,7 @@
           </p:nvPr>
         </p:nvPicPr>
         <p:blipFill>
-          <a:blip r:embed="rId5" cstate="print">
+          <a:blip r:embed="rId6" cstate="print">
             <a:extLst>
               <a:ext uri="{28A0092B-C50C-407E-A947-70E740481C1C}">
                 <a14:useLocalDpi xmlns:a14="http://schemas.microsoft.com/office/drawing/2010/main" val="0"/>
@@ -34913,7 +35101,7 @@
         </p:blipFill>
         <p:spPr>
           <a:xfrm>
-            <a:off x="5975328" y="5975927"/>
+            <a:off x="5832452" y="5210614"/>
             <a:ext cx="3082948" cy="652751"/>
           </a:xfrm>
           <a:prstGeom prst="rect">
@@ -34921,6 +35109,37 @@
           </a:prstGeom>
         </p:spPr>
       </p:pic>
+      <p:sp>
+        <p:nvSpPr>
+          <p:cNvPr id="2" name="Rectangle 1"/>
+          <p:cNvSpPr/>
+          <p:nvPr/>
+        </p:nvSpPr>
+        <p:spPr>
+          <a:xfrm>
+            <a:off x="4830417" y="6273225"/>
+            <a:ext cx="3737113" cy="584775"/>
+          </a:xfrm>
+          <a:prstGeom prst="rect">
+            <a:avLst/>
+          </a:prstGeom>
+        </p:spPr>
+        <p:txBody>
+          <a:bodyPr wrap="square">
+            <a:spAutoFit/>
+          </a:bodyPr>
+          <a:lstStyle/>
+          <a:p>
+            <a:r>
+              <a:rPr lang="en-US" sz="1600" dirty="0">
+                <a:hlinkClick r:id="rId7"/>
+              </a:rPr>
+              <a:t>https://www.cdc.gov/healthywater/burden/current-data.html</a:t>
+            </a:r>
+            <a:endParaRPr lang="en-US" sz="1600" dirty="0"/>
+          </a:p>
+        </p:txBody>
+      </p:sp>
     </p:spTree>
   </p:cSld>
   <p:clrMapOvr>
@@ -35037,7 +35256,7 @@
           <a:graphicData uri="http://schemas.openxmlformats.org/presentationml/2006/ole">
             <mc:AlternateContent xmlns:mc="http://schemas.openxmlformats.org/markup-compatibility/2006">
               <mc:Choice xmlns:v="urn:schemas-microsoft-com:vml" Requires="v">
-                <p:oleObj spid="_x0000_s154649" name="Worksheet" r:id="rId4" imgW="5524500" imgH="3562440" progId="Excel.Sheet.8">
+                <p:oleObj spid="_x0000_s154654" name="Worksheet" r:id="rId4" imgW="5524500" imgH="3562440" progId="Excel.Sheet.8">
                   <p:embed followColorScheme="full"/>
                 </p:oleObj>
               </mc:Choice>
@@ -36178,7 +36397,7 @@
           </a:p>
           <a:p>
             <a:r>
-              <a:rPr lang="en-US" dirty="0"/>
+              <a:rPr lang="en-US" b="1" dirty="0"/>
               <a:t>Chlorine not required for groundwater!</a:t>
             </a:r>
           </a:p>

--- a/Disinfection.pptx
+++ b/Disinfection.pptx
@@ -9712,7 +9712,7 @@
           <a:graphicData uri="http://schemas.openxmlformats.org/presentationml/2006/ole">
             <mc:AlternateContent xmlns:mc="http://schemas.openxmlformats.org/markup-compatibility/2006">
               <mc:Choice xmlns:v="urn:schemas-microsoft-com:vml" Requires="v">
-                <p:oleObj spid="_x0000_s53278" name="Chart" r:id="rId4" imgW="6696143" imgH="4505415" progId="Excel.Sheet.8">
+                <p:oleObj spid="_x0000_s53280" name="Chart" r:id="rId4" imgW="6696143" imgH="4505415" progId="Excel.Sheet.8">
                   <p:embed followColorScheme="full"/>
                 </p:oleObj>
               </mc:Choice>
@@ -10124,7 +10124,7 @@
           <a:graphicData uri="http://schemas.openxmlformats.org/presentationml/2006/ole">
             <mc:AlternateContent xmlns:mc="http://schemas.openxmlformats.org/markup-compatibility/2006">
               <mc:Choice xmlns:v="urn:schemas-microsoft-com:vml" Requires="v">
-                <p:oleObj spid="_x0000_s358428" name="Chart" r:id="rId3" imgW="6696143" imgH="4505415" progId="Excel.Sheet.8">
+                <p:oleObj spid="_x0000_s358430" name="Chart" r:id="rId3" imgW="6696143" imgH="4505415" progId="Excel.Sheet.8">
                   <p:embed followColorScheme="full"/>
                 </p:oleObj>
               </mc:Choice>
@@ -10717,7 +10717,7 @@
             <a:graphicData uri="http://schemas.openxmlformats.org/presentationml/2006/ole">
               <mc:AlternateContent xmlns:mc="http://schemas.openxmlformats.org/markup-compatibility/2006">
                 <mc:Choice xmlns:v="urn:schemas-microsoft-com:vml" Requires="v">
-                  <p:oleObj spid="_x0000_s167972" name="Equation" r:id="rId5" imgW="685800" imgH="380880" progId="Equation.DSMT4">
+                  <p:oleObj spid="_x0000_s167974" name="Equation" r:id="rId5" imgW="685800" imgH="380880" progId="Equation.DSMT4">
                     <p:embed/>
                   </p:oleObj>
                 </mc:Choice>
@@ -20217,7 +20217,7 @@
           <a:graphicData uri="http://schemas.openxmlformats.org/presentationml/2006/ole">
             <mc:AlternateContent xmlns:mc="http://schemas.openxmlformats.org/markup-compatibility/2006">
               <mc:Choice xmlns:v="urn:schemas-microsoft-com:vml" Requires="v">
-                <p:oleObj spid="_x0000_s134174" name="Chart" r:id="rId4" imgW="4943543" imgH="2866935" progId="Excel.Sheet.8">
+                <p:oleObj spid="_x0000_s134176" name="Chart" r:id="rId4" imgW="4943543" imgH="2866935" progId="Excel.Sheet.8">
                   <p:embed followColorScheme="full"/>
                 </p:oleObj>
               </mc:Choice>
@@ -24274,7 +24274,7 @@
           <a:graphicData uri="http://schemas.openxmlformats.org/presentationml/2006/ole">
             <mc:AlternateContent xmlns:mc="http://schemas.openxmlformats.org/markup-compatibility/2006">
               <mc:Choice xmlns:v="urn:schemas-microsoft-com:vml" Requires="v">
-                <p:oleObj spid="_x0000_s294967" name="Mathcad" r:id="rId3" imgW="1162080" imgH="1438200" progId="Mathcad">
+                <p:oleObj spid="_x0000_s294971" name="Mathcad" r:id="rId3" imgW="1162080" imgH="1438200" progId="Mathcad">
                   <p:embed/>
                 </p:oleObj>
               </mc:Choice>
@@ -24367,7 +24367,7 @@
           <a:graphicData uri="http://schemas.openxmlformats.org/presentationml/2006/ole">
             <mc:AlternateContent xmlns:mc="http://schemas.openxmlformats.org/markup-compatibility/2006">
               <mc:Choice xmlns:v="urn:schemas-microsoft-com:vml" Requires="v">
-                <p:oleObj spid="_x0000_s294968" name="Mathcad" r:id="rId5" imgW="1209600" imgH="1495440" progId="Mathcad">
+                <p:oleObj spid="_x0000_s294972" name="Mathcad" r:id="rId5" imgW="1209600" imgH="1495440" progId="Mathcad">
                   <p:embed/>
                 </p:oleObj>
               </mc:Choice>
@@ -29839,7 +29839,7 @@
           <a:graphicData uri="http://schemas.openxmlformats.org/presentationml/2006/ole">
             <mc:AlternateContent xmlns:mc="http://schemas.openxmlformats.org/markup-compatibility/2006">
               <mc:Choice xmlns:v="urn:schemas-microsoft-com:vml" Requires="v">
-                <p:oleObj spid="_x0000_s145459" name="Worksheet" r:id="rId5" imgW="7267643" imgH="4352835" progId="Excel.Sheet.8">
+                <p:oleObj spid="_x0000_s145461" name="Worksheet" r:id="rId5" imgW="7267643" imgH="4352835" progId="Excel.Sheet.8">
                   <p:embed followColorScheme="full"/>
                 </p:oleObj>
               </mc:Choice>
@@ -35016,7 +35016,7 @@
               <a:t>Bladder cancer in the US in 2011 - New cases: 69,250 - Deaths: 14,990 (</a:t>
             </a:r>
             <a:r>
-              <a:rPr lang="en-US" sz="2400" dirty="0">
+              <a:rPr lang="en-US" sz="1200" dirty="0">
                 <a:hlinkClick r:id="rId4"/>
               </a:rPr>
               <a:t>http://www.cancer.gov/cancertopics/types/bladder</a:t>
@@ -35029,10 +35029,18 @@
           <a:p>
             <a:r>
               <a:rPr lang="en-US" dirty="0"/>
-              <a:t>15% attributable to exposure to chlorination by-products (</a:t>
-            </a:r>
-            <a:r>
-              <a:rPr lang="en-US" sz="2000" dirty="0">
+              <a:t>15% </a:t>
+            </a:r>
+            <a:r>
+              <a:rPr lang="en-US" dirty="0" smtClean="0"/>
+              <a:t>(2248) attributable </a:t>
+            </a:r>
+            <a:r>
+              <a:rPr lang="en-US" dirty="0"/>
+              <a:t>to exposure to chlorination by-products (</a:t>
+            </a:r>
+            <a:r>
+              <a:rPr lang="en-US" sz="1200" dirty="0">
                 <a:hlinkClick r:id="rId5"/>
               </a:rPr>
               <a:t>http://www.ncbi.nlm.nih.gov/pubmed/8932920</a:t>
@@ -35101,7 +35109,7 @@
         </p:blipFill>
         <p:spPr>
           <a:xfrm>
-            <a:off x="5832452" y="5210614"/>
+            <a:off x="4686300" y="4736161"/>
             <a:ext cx="3082948" cy="652751"/>
           </a:xfrm>
           <a:prstGeom prst="rect">
@@ -35117,7 +35125,7 @@
         </p:nvSpPr>
         <p:spPr>
           <a:xfrm>
-            <a:off x="4830417" y="6273225"/>
+            <a:off x="4830417" y="5833775"/>
             <a:ext cx="3737113" cy="584775"/>
           </a:xfrm>
           <a:prstGeom prst="rect">
@@ -35256,7 +35264,7 @@
           <a:graphicData uri="http://schemas.openxmlformats.org/presentationml/2006/ole">
             <mc:AlternateContent xmlns:mc="http://schemas.openxmlformats.org/markup-compatibility/2006">
               <mc:Choice xmlns:v="urn:schemas-microsoft-com:vml" Requires="v">
-                <p:oleObj spid="_x0000_s154654" name="Worksheet" r:id="rId4" imgW="5524500" imgH="3562440" progId="Excel.Sheet.8">
+                <p:oleObj spid="_x0000_s154656" name="Worksheet" r:id="rId4" imgW="5524500" imgH="3562440" progId="Excel.Sheet.8">
                   <p:embed followColorScheme="full"/>
                 </p:oleObj>
               </mc:Choice>

--- a/Disinfection.pptx
+++ b/Disinfection.pptx
@@ -2,7 +2,7 @@
 <file path=ppt/presentation.xml><?xml version="1.0" encoding="utf-8"?>
 <p:presentation xmlns:a="http://schemas.openxmlformats.org/drawingml/2006/main" xmlns:r="http://schemas.openxmlformats.org/officeDocument/2006/relationships" xmlns:p="http://schemas.openxmlformats.org/presentationml/2006/main" saveSubsetFonts="1">
   <p:sldMasterIdLst>
-    <p:sldMasterId id="2147483678" r:id="rId1"/>
+    <p:sldMasterId id="2147483688" r:id="rId1"/>
   </p:sldMasterIdLst>
   <p:notesMasterIdLst>
     <p:notesMasterId r:id="rId42"/>
@@ -52,7 +52,7 @@
     <p:sldId id="286" r:id="rId40"/>
     <p:sldId id="363" r:id="rId41"/>
   </p:sldIdLst>
-  <p:sldSz cx="9144000" cy="6858000" type="screen4x3"/>
+  <p:sldSz cx="12192000" cy="6858000"/>
   <p:notesSz cx="7315200" cy="9601200"/>
   <p:defaultTextStyle>
     <a:defPPr>
@@ -1627,6 +1627,10 @@
           </p:nvPr>
         </p:nvSpPr>
         <p:spPr>
+          <a:xfrm>
+            <a:off x="457200" y="720725"/>
+            <a:ext cx="6400800" cy="3600450"/>
+          </a:xfrm>
           <a:ln/>
         </p:spPr>
       </p:sp>
@@ -1686,8 +1690,8 @@
         </p:nvSpPr>
         <p:spPr>
           <a:xfrm>
-            <a:off x="1257300" y="720725"/>
-            <a:ext cx="4800600" cy="3600450"/>
+            <a:off x="457200" y="720725"/>
+            <a:ext cx="6400800" cy="3600450"/>
           </a:xfrm>
           <a:custGeom>
             <a:avLst/>
@@ -2560,10 +2564,6 @@
               </a:rPr>
               <a:t>Alicia Peters</a:t>
             </a:r>
-            <a:r>
-              <a:rPr lang="it-IT" dirty="0"/>
-              <a:t/>
-            </a:r>
             <a:br>
               <a:rPr lang="it-IT" dirty="0"/>
             </a:br>
@@ -2580,10 +2580,6 @@
               </a:rPr>
               <a:t>David Gold</a:t>
             </a:r>
-            <a:r>
-              <a:rPr lang="it-IT" dirty="0"/>
-              <a:t/>
-            </a:r>
             <a:br>
               <a:rPr lang="it-IT" dirty="0"/>
             </a:br>
@@ -2599,10 +2595,6 @@
                 <a:hlinkClick r:id="rId5"/>
               </a:rPr>
               <a:t>Weier Chen</a:t>
-            </a:r>
-            <a:r>
-              <a:rPr lang="it-IT" dirty="0"/>
-              <a:t/>
             </a:r>
             <a:br>
               <a:rPr lang="it-IT" dirty="0"/>
@@ -2773,6 +2765,10 @@
           </p:nvPr>
         </p:nvSpPr>
         <p:spPr>
+          <a:xfrm>
+            <a:off x="457200" y="720725"/>
+            <a:ext cx="6400800" cy="3600450"/>
+          </a:xfrm>
           <a:ln/>
         </p:spPr>
       </p:sp>
@@ -2905,6 +2901,10 @@
           </p:nvPr>
         </p:nvSpPr>
         <p:spPr>
+          <a:xfrm>
+            <a:off x="457200" y="720725"/>
+            <a:ext cx="6400800" cy="3600450"/>
+          </a:xfrm>
           <a:ln/>
         </p:spPr>
       </p:sp>
@@ -2989,6 +2989,10 @@
           </p:nvPr>
         </p:nvSpPr>
         <p:spPr>
+          <a:xfrm>
+            <a:off x="457200" y="720725"/>
+            <a:ext cx="6400800" cy="3600450"/>
+          </a:xfrm>
           <a:ln/>
         </p:spPr>
       </p:sp>
@@ -3100,6 +3104,10 @@
           </p:nvPr>
         </p:nvSpPr>
         <p:spPr>
+          <a:xfrm>
+            <a:off x="457200" y="720725"/>
+            <a:ext cx="6400800" cy="3600450"/>
+          </a:xfrm>
           <a:ln/>
         </p:spPr>
       </p:sp>
@@ -3184,6 +3192,10 @@
           </p:nvPr>
         </p:nvSpPr>
         <p:spPr>
+          <a:xfrm>
+            <a:off x="457200" y="720725"/>
+            <a:ext cx="6400800" cy="3600450"/>
+          </a:xfrm>
           <a:ln/>
         </p:spPr>
       </p:sp>
@@ -3268,6 +3280,10 @@
           </p:nvPr>
         </p:nvSpPr>
         <p:spPr>
+          <a:xfrm>
+            <a:off x="457200" y="720725"/>
+            <a:ext cx="6400800" cy="3600450"/>
+          </a:xfrm>
           <a:ln/>
         </p:spPr>
       </p:sp>
@@ -3352,6 +3368,10 @@
           </p:nvPr>
         </p:nvSpPr>
         <p:spPr>
+          <a:xfrm>
+            <a:off x="457200" y="720725"/>
+            <a:ext cx="6400800" cy="3600450"/>
+          </a:xfrm>
           <a:ln/>
         </p:spPr>
       </p:sp>
@@ -3409,7 +3429,12 @@
             <p:ph type="sldImg"/>
           </p:nvPr>
         </p:nvSpPr>
-        <p:spPr/>
+        <p:spPr>
+          <a:xfrm>
+            <a:off x="457200" y="720725"/>
+            <a:ext cx="6400800" cy="3600450"/>
+          </a:xfrm>
+        </p:spPr>
       </p:sp>
       <p:sp>
         <p:nvSpPr>
@@ -3427,34 +3452,34 @@
           <a:lstStyle/>
           <a:p>
             <a:r>
-              <a:rPr lang="en-US" dirty="0" smtClean="0"/>
+              <a:rPr lang="en-US" dirty="0"/>
               <a:t>AguaClara</a:t>
             </a:r>
             <a:r>
-              <a:rPr lang="en-US" baseline="0" dirty="0" smtClean="0"/>
+              <a:rPr lang="en-US" baseline="0" dirty="0"/>
               <a:t> will have higher quality water that provides  better protection against pathogens.</a:t>
             </a:r>
           </a:p>
           <a:p>
             <a:r>
-              <a:rPr lang="en-US" baseline="0" dirty="0" smtClean="0"/>
+              <a:rPr lang="en-US" baseline="0" dirty="0"/>
               <a:t>Floc/</a:t>
             </a:r>
             <a:r>
-              <a:rPr lang="en-US" baseline="0" dirty="0" err="1" smtClean="0"/>
+              <a:rPr lang="en-US" baseline="0" dirty="0" err="1"/>
               <a:t>sed</a:t>
             </a:r>
             <a:r>
-              <a:rPr lang="en-US" baseline="0" dirty="0" smtClean="0"/>
+              <a:rPr lang="en-US" baseline="0" dirty="0"/>
               <a:t>/filtration will remove some organics and hence reduce chlorine demand. Thus fewer tastes and odors.</a:t>
             </a:r>
           </a:p>
           <a:p>
-            <a:endParaRPr lang="en-US" baseline="0" dirty="0" smtClean="0"/>
-          </a:p>
-          <a:p>
-            <a:r>
-              <a:rPr lang="en-US" baseline="0" dirty="0" smtClean="0"/>
+            <a:endParaRPr lang="en-US" baseline="0" dirty="0"/>
+          </a:p>
+          <a:p>
+            <a:r>
+              <a:rPr lang="en-US" baseline="0" dirty="0"/>
               <a:t>If the </a:t>
             </a:r>
             <a:endParaRPr lang="en-US" dirty="0"/>
@@ -3552,6 +3577,10 @@
           </p:nvPr>
         </p:nvSpPr>
         <p:spPr>
+          <a:xfrm>
+            <a:off x="457200" y="720725"/>
+            <a:ext cx="6400800" cy="3600450"/>
+          </a:xfrm>
           <a:ln/>
         </p:spPr>
       </p:sp>
@@ -3639,6 +3668,10 @@
           </p:nvPr>
         </p:nvSpPr>
         <p:spPr>
+          <a:xfrm>
+            <a:off x="457200" y="720725"/>
+            <a:ext cx="6400800" cy="3600450"/>
+          </a:xfrm>
           <a:ln/>
         </p:spPr>
       </p:sp>
@@ -3723,6 +3756,10 @@
           </p:nvPr>
         </p:nvSpPr>
         <p:spPr>
+          <a:xfrm>
+            <a:off x="457200" y="720725"/>
+            <a:ext cx="6400800" cy="3600450"/>
+          </a:xfrm>
           <a:ln/>
         </p:spPr>
       </p:sp>
@@ -3810,6 +3847,10 @@
           </p:nvPr>
         </p:nvSpPr>
         <p:spPr>
+          <a:xfrm>
+            <a:off x="457200" y="720725"/>
+            <a:ext cx="6400800" cy="3600450"/>
+          </a:xfrm>
           <a:ln/>
         </p:spPr>
       </p:sp>
@@ -3897,6 +3938,10 @@
           </p:nvPr>
         </p:nvSpPr>
         <p:spPr>
+          <a:xfrm>
+            <a:off x="457200" y="720725"/>
+            <a:ext cx="6400800" cy="3600450"/>
+          </a:xfrm>
           <a:ln/>
         </p:spPr>
       </p:sp>
@@ -3984,6 +4029,10 @@
           </p:nvPr>
         </p:nvSpPr>
         <p:spPr>
+          <a:xfrm>
+            <a:off x="457200" y="720725"/>
+            <a:ext cx="6400800" cy="3600450"/>
+          </a:xfrm>
           <a:ln/>
         </p:spPr>
       </p:sp>
@@ -4068,6 +4117,10 @@
           </p:nvPr>
         </p:nvSpPr>
         <p:spPr>
+          <a:xfrm>
+            <a:off x="457200" y="720725"/>
+            <a:ext cx="6400800" cy="3600450"/>
+          </a:xfrm>
           <a:ln/>
         </p:spPr>
       </p:sp>
@@ -4152,6 +4205,10 @@
           </p:nvPr>
         </p:nvSpPr>
         <p:spPr>
+          <a:xfrm>
+            <a:off x="457200" y="720725"/>
+            <a:ext cx="6400800" cy="3600450"/>
+          </a:xfrm>
           <a:ln/>
         </p:spPr>
       </p:sp>
@@ -4236,6 +4293,10 @@
           </p:nvPr>
         </p:nvSpPr>
         <p:spPr>
+          <a:xfrm>
+            <a:off x="457200" y="720725"/>
+            <a:ext cx="6400800" cy="3600450"/>
+          </a:xfrm>
           <a:ln/>
         </p:spPr>
       </p:sp>
@@ -4255,25 +4316,25 @@
           <a:lstStyle/>
           <a:p>
             <a:r>
-              <a:rPr lang="en-US" dirty="0" smtClean="0"/>
+              <a:rPr lang="en-US" dirty="0"/>
               <a:t>Floc </a:t>
             </a:r>
             <a:r>
-              <a:rPr lang="en-US" dirty="0" err="1" smtClean="0"/>
+              <a:rPr lang="en-US" dirty="0" err="1"/>
               <a:t>sed</a:t>
             </a:r>
             <a:r>
-              <a:rPr lang="en-US" dirty="0" smtClean="0"/>
+              <a:rPr lang="en-US" dirty="0"/>
               <a:t> reduces</a:t>
             </a:r>
             <a:r>
-              <a:rPr lang="en-US" baseline="0" dirty="0" smtClean="0"/>
+              <a:rPr lang="en-US" baseline="0" dirty="0"/>
               <a:t> raw water turbidity to about 1 NTU regardless of the starting NTU. </a:t>
             </a:r>
           </a:p>
           <a:p>
             <a:r>
-              <a:rPr lang="en-US" baseline="0" dirty="0" smtClean="0"/>
+              <a:rPr lang="en-US" baseline="0" dirty="0"/>
               <a:t>This approach is the best we have currently. The goal should be to reduce the particle concentration as much as possible.</a:t>
             </a:r>
             <a:endParaRPr lang="en-US" dirty="0"/>
@@ -4342,6 +4403,10 @@
           </p:nvPr>
         </p:nvSpPr>
         <p:spPr>
+          <a:xfrm>
+            <a:off x="457200" y="720725"/>
+            <a:ext cx="6400800" cy="3600450"/>
+          </a:xfrm>
           <a:ln/>
         </p:spPr>
       </p:sp>
@@ -4426,6 +4491,10 @@
           </p:nvPr>
         </p:nvSpPr>
         <p:spPr>
+          <a:xfrm>
+            <a:off x="457200" y="720725"/>
+            <a:ext cx="6400800" cy="3600450"/>
+          </a:xfrm>
           <a:ln/>
         </p:spPr>
       </p:sp>
@@ -4519,6 +4588,10 @@
           </p:nvPr>
         </p:nvSpPr>
         <p:spPr>
+          <a:xfrm>
+            <a:off x="457200" y="720725"/>
+            <a:ext cx="6400800" cy="3600450"/>
+          </a:xfrm>
           <a:ln/>
         </p:spPr>
       </p:sp>
@@ -4606,6 +4679,10 @@
           </p:nvPr>
         </p:nvSpPr>
         <p:spPr>
+          <a:xfrm>
+            <a:off x="457200" y="720725"/>
+            <a:ext cx="6400800" cy="3600450"/>
+          </a:xfrm>
           <a:ln/>
         </p:spPr>
       </p:sp>
@@ -4666,7 +4743,12 @@
             <p:ph type="sldImg"/>
           </p:nvPr>
         </p:nvSpPr>
-        <p:spPr/>
+        <p:spPr>
+          <a:xfrm>
+            <a:off x="457200" y="720725"/>
+            <a:ext cx="6400800" cy="3600450"/>
+          </a:xfrm>
+        </p:spPr>
       </p:sp>
       <p:sp>
         <p:nvSpPr>
@@ -4684,7 +4766,7 @@
           <a:lstStyle/>
           <a:p>
             <a:r>
-              <a:rPr lang="en-US" dirty="0" smtClean="0">
+              <a:rPr lang="en-US" dirty="0">
                 <a:hlinkClick r:id="rId3"/>
               </a:rPr>
               <a:t>https://www.cdc.gov/healthywater/burden/current-data.html</a:t>
@@ -4784,6 +4866,10 @@
           </p:nvPr>
         </p:nvSpPr>
         <p:spPr>
+          <a:xfrm>
+            <a:off x="457200" y="720725"/>
+            <a:ext cx="6400800" cy="3600450"/>
+          </a:xfrm>
           <a:ln/>
         </p:spPr>
       </p:sp>
@@ -4887,6 +4973,10 @@
           </p:nvPr>
         </p:nvSpPr>
         <p:spPr>
+          <a:xfrm>
+            <a:off x="457200" y="720725"/>
+            <a:ext cx="6400800" cy="3600450"/>
+          </a:xfrm>
           <a:ln/>
         </p:spPr>
       </p:sp>
@@ -4977,6 +5067,10 @@
           </p:nvPr>
         </p:nvSpPr>
         <p:spPr>
+          <a:xfrm>
+            <a:off x="457200" y="720725"/>
+            <a:ext cx="6400800" cy="3600450"/>
+          </a:xfrm>
           <a:ln/>
         </p:spPr>
       </p:sp>
@@ -5061,6 +5155,10 @@
           </p:nvPr>
         </p:nvSpPr>
         <p:spPr>
+          <a:xfrm>
+            <a:off x="457200" y="720725"/>
+            <a:ext cx="6400800" cy="3600450"/>
+          </a:xfrm>
           <a:ln/>
         </p:spPr>
       </p:sp>
@@ -5118,7 +5216,12 @@
             <p:ph type="sldImg"/>
           </p:nvPr>
         </p:nvSpPr>
-        <p:spPr/>
+        <p:spPr>
+          <a:xfrm>
+            <a:off x="457200" y="720725"/>
+            <a:ext cx="6400800" cy="3600450"/>
+          </a:xfrm>
+        </p:spPr>
       </p:sp>
       <p:sp>
         <p:nvSpPr>
@@ -5200,7 +5303,12 @@
             <p:ph type="sldImg"/>
           </p:nvPr>
         </p:nvSpPr>
-        <p:spPr/>
+        <p:spPr>
+          <a:xfrm>
+            <a:off x="457200" y="720725"/>
+            <a:ext cx="6400800" cy="3600450"/>
+          </a:xfrm>
+        </p:spPr>
       </p:sp>
       <p:sp>
         <p:nvSpPr>
@@ -5414,10 +5522,6 @@
               </a:rPr>
               <a:t>Alicia Peters</a:t>
             </a:r>
-            <a:r>
-              <a:rPr lang="it-IT" dirty="0"/>
-              <a:t/>
-            </a:r>
             <a:br>
               <a:rPr lang="it-IT" dirty="0"/>
             </a:br>
@@ -5434,10 +5538,6 @@
               </a:rPr>
               <a:t>David Gold</a:t>
             </a:r>
-            <a:r>
-              <a:rPr lang="it-IT" dirty="0"/>
-              <a:t/>
-            </a:r>
             <a:br>
               <a:rPr lang="it-IT" dirty="0"/>
             </a:br>
@@ -5453,10 +5553,6 @@
                 <a:hlinkClick r:id="rId5"/>
               </a:rPr>
               <a:t>Weier Chen</a:t>
-            </a:r>
-            <a:r>
-              <a:rPr lang="it-IT" dirty="0"/>
-              <a:t/>
             </a:r>
             <a:br>
               <a:rPr lang="it-IT" dirty="0"/>
@@ -5513,8 +5609,8 @@
         </p:nvSpPr>
         <p:spPr>
           <a:xfrm>
-            <a:off x="1257300" y="720725"/>
-            <a:ext cx="4800600" cy="3600450"/>
+            <a:off x="457200" y="720725"/>
+            <a:ext cx="6400800" cy="3600450"/>
           </a:xfrm>
           <a:custGeom>
             <a:avLst/>
@@ -5589,8 +5685,8 @@
         </p:nvSpPr>
         <p:spPr>
           <a:xfrm>
-            <a:off x="1257300" y="720725"/>
-            <a:ext cx="4800600" cy="3600450"/>
+            <a:off x="457200" y="720725"/>
+            <a:ext cx="6400800" cy="3600450"/>
           </a:xfrm>
           <a:custGeom>
             <a:avLst/>
@@ -5671,10 +5767,6 @@
               </a:rPr>
               <a:t>Alicia Peters</a:t>
             </a:r>
-            <a:r>
-              <a:rPr lang="it-IT" dirty="0"/>
-              <a:t/>
-            </a:r>
             <a:br>
               <a:rPr lang="it-IT" dirty="0"/>
             </a:br>
@@ -5691,10 +5783,6 @@
               </a:rPr>
               <a:t>David Gold</a:t>
             </a:r>
-            <a:r>
-              <a:rPr lang="it-IT" dirty="0"/>
-              <a:t/>
-            </a:r>
             <a:br>
               <a:rPr lang="it-IT" dirty="0"/>
             </a:br>
@@ -5710,10 +5798,6 @@
                 <a:hlinkClick r:id="rId5"/>
               </a:rPr>
               <a:t>Weier Chen</a:t>
-            </a:r>
-            <a:r>
-              <a:rPr lang="it-IT" dirty="0"/>
-              <a:t/>
             </a:r>
             <a:br>
               <a:rPr lang="it-IT" dirty="0"/>
@@ -5853,8 +5937,8 @@
         </p:nvSpPr>
         <p:spPr>
           <a:xfrm>
-            <a:off x="1257300" y="720725"/>
-            <a:ext cx="4800600" cy="3600450"/>
+            <a:off x="457200" y="720725"/>
+            <a:ext cx="6400800" cy="3600450"/>
           </a:xfrm>
           <a:custGeom>
             <a:avLst/>
@@ -5935,10 +6019,6 @@
               </a:rPr>
               <a:t>Alicia Peters</a:t>
             </a:r>
-            <a:r>
-              <a:rPr lang="it-IT" dirty="0"/>
-              <a:t/>
-            </a:r>
             <a:br>
               <a:rPr lang="it-IT" dirty="0"/>
             </a:br>
@@ -5955,10 +6035,6 @@
               </a:rPr>
               <a:t>David Gold</a:t>
             </a:r>
-            <a:r>
-              <a:rPr lang="it-IT" dirty="0"/>
-              <a:t/>
-            </a:r>
             <a:br>
               <a:rPr lang="it-IT" dirty="0"/>
             </a:br>
@@ -5974,10 +6050,6 @@
                 <a:hlinkClick r:id="rId5"/>
               </a:rPr>
               <a:t>Weier Chen</a:t>
-            </a:r>
-            <a:r>
-              <a:rPr lang="it-IT" dirty="0"/>
-              <a:t/>
             </a:r>
             <a:br>
               <a:rPr lang="it-IT" dirty="0"/>
@@ -6118,7 +6190,7 @@
         <p:spPr>
           <a:xfrm>
             <a:off x="3352800" y="5029200"/>
-            <a:ext cx="3962400" cy="1143000"/>
+            <a:ext cx="7370618" cy="1143000"/>
           </a:xfrm>
         </p:spPr>
         <p:txBody>
@@ -6135,7 +6207,7 @@
               <a:rPr lang="en-US"/>
               <a:t>Click to edit Master subtitle style</a:t>
             </a:r>
-            <a:endParaRPr lang="es-HN"/>
+            <a:endParaRPr lang="es-HN" dirty="0"/>
           </a:p>
         </p:txBody>
       </p:sp>
@@ -6232,7 +6304,7 @@
         <p:spPr>
           <a:xfrm>
             <a:off x="1371600" y="990600"/>
-            <a:ext cx="7772400" cy="1470025"/>
+            <a:ext cx="9351818" cy="1470025"/>
           </a:xfrm>
           <a:ln w="9525"/>
         </p:spPr>
@@ -6252,6 +6324,11 @@
         </p:txBody>
       </p:sp>
     </p:spTree>
+    <p:extLst>
+      <p:ext uri="{BB962C8B-B14F-4D97-AF65-F5344CB8AC3E}">
+        <p14:creationId xmlns:p14="http://schemas.microsoft.com/office/powerpoint/2010/main" val="3398779034"/>
+      </p:ext>
+    </p:extLst>
   </p:cSld>
   <p:clrMapOvr>
     <a:masterClrMapping/>
@@ -6427,6 +6504,11 @@
         </p:txBody>
       </p:sp>
     </p:spTree>
+    <p:extLst>
+      <p:ext uri="{BB962C8B-B14F-4D97-AF65-F5344CB8AC3E}">
+        <p14:creationId xmlns:p14="http://schemas.microsoft.com/office/powerpoint/2010/main" val="88476324"/>
+      </p:ext>
+    </p:extLst>
   </p:cSld>
   <p:clrMapOvr>
     <a:masterClrMapping/>
@@ -6438,204 +6520,6 @@
 </file>
 
 <file path=ppt/slideLayouts/slideLayout3.xml><?xml version="1.0" encoding="utf-8"?>
-<p:sldLayout xmlns:a="http://schemas.openxmlformats.org/drawingml/2006/main" xmlns:r="http://schemas.openxmlformats.org/officeDocument/2006/relationships" xmlns:p="http://schemas.openxmlformats.org/presentationml/2006/main" type="secHead" preserve="1">
-  <p:cSld name="Section Header">
-    <p:spTree>
-      <p:nvGrpSpPr>
-        <p:cNvPr id="1" name=""/>
-        <p:cNvGrpSpPr/>
-        <p:nvPr/>
-      </p:nvGrpSpPr>
-      <p:grpSpPr>
-        <a:xfrm>
-          <a:off x="0" y="0"/>
-          <a:ext cx="0" cy="0"/>
-          <a:chOff x="0" y="0"/>
-          <a:chExt cx="0" cy="0"/>
-        </a:xfrm>
-      </p:grpSpPr>
-      <p:sp>
-        <p:nvSpPr>
-          <p:cNvPr id="2" name="Title 1"/>
-          <p:cNvSpPr>
-            <a:spLocks noGrp="1"/>
-          </p:cNvSpPr>
-          <p:nvPr>
-            <p:ph type="title"/>
-          </p:nvPr>
-        </p:nvSpPr>
-        <p:spPr>
-          <a:xfrm>
-            <a:off x="722313" y="4406900"/>
-            <a:ext cx="7772400" cy="1362075"/>
-          </a:xfrm>
-        </p:spPr>
-        <p:txBody>
-          <a:bodyPr anchor="t"/>
-          <a:lstStyle>
-            <a:lvl1pPr algn="l">
-              <a:defRPr sz="4000" b="1" cap="all"/>
-            </a:lvl1pPr>
-          </a:lstStyle>
-          <a:p>
-            <a:r>
-              <a:rPr lang="en-US"/>
-              <a:t>Click to edit Master title style</a:t>
-            </a:r>
-          </a:p>
-        </p:txBody>
-      </p:sp>
-      <p:sp>
-        <p:nvSpPr>
-          <p:cNvPr id="3" name="Text Placeholder 2"/>
-          <p:cNvSpPr>
-            <a:spLocks noGrp="1"/>
-          </p:cNvSpPr>
-          <p:nvPr>
-            <p:ph type="body" idx="1"/>
-          </p:nvPr>
-        </p:nvSpPr>
-        <p:spPr>
-          <a:xfrm>
-            <a:off x="722313" y="2906713"/>
-            <a:ext cx="7772400" cy="1500187"/>
-          </a:xfrm>
-        </p:spPr>
-        <p:txBody>
-          <a:bodyPr anchor="b"/>
-          <a:lstStyle>
-            <a:lvl1pPr marL="0" indent="0">
-              <a:buNone/>
-              <a:defRPr sz="2000"/>
-            </a:lvl1pPr>
-            <a:lvl2pPr marL="457200" indent="0">
-              <a:buNone/>
-              <a:defRPr sz="1800"/>
-            </a:lvl2pPr>
-            <a:lvl3pPr marL="914400" indent="0">
-              <a:buNone/>
-              <a:defRPr sz="1600"/>
-            </a:lvl3pPr>
-            <a:lvl4pPr marL="1371600" indent="0">
-              <a:buNone/>
-              <a:defRPr sz="1400"/>
-            </a:lvl4pPr>
-            <a:lvl5pPr marL="1828800" indent="0">
-              <a:buNone/>
-              <a:defRPr sz="1400"/>
-            </a:lvl5pPr>
-            <a:lvl6pPr marL="2286000" indent="0">
-              <a:buNone/>
-              <a:defRPr sz="1400"/>
-            </a:lvl6pPr>
-            <a:lvl7pPr marL="2743200" indent="0">
-              <a:buNone/>
-              <a:defRPr sz="1400"/>
-            </a:lvl7pPr>
-            <a:lvl8pPr marL="3200400" indent="0">
-              <a:buNone/>
-              <a:defRPr sz="1400"/>
-            </a:lvl8pPr>
-            <a:lvl9pPr marL="3657600" indent="0">
-              <a:buNone/>
-              <a:defRPr sz="1400"/>
-            </a:lvl9pPr>
-          </a:lstStyle>
-          <a:p>
-            <a:pPr lvl="0"/>
-            <a:r>
-              <a:rPr lang="en-US"/>
-              <a:t>Click to edit Master text styles</a:t>
-            </a:r>
-          </a:p>
-        </p:txBody>
-      </p:sp>
-      <p:sp>
-        <p:nvSpPr>
-          <p:cNvPr id="4" name="Date Placeholder 3"/>
-          <p:cNvSpPr>
-            <a:spLocks noGrp="1"/>
-          </p:cNvSpPr>
-          <p:nvPr>
-            <p:ph type="dt" sz="half" idx="10"/>
-          </p:nvPr>
-        </p:nvSpPr>
-        <p:spPr/>
-        <p:txBody>
-          <a:bodyPr/>
-          <a:lstStyle>
-            <a:lvl1pPr>
-              <a:defRPr/>
-            </a:lvl1pPr>
-          </a:lstStyle>
-          <a:p>
-            <a:endParaRPr lang="en-US"/>
-          </a:p>
-        </p:txBody>
-      </p:sp>
-      <p:sp>
-        <p:nvSpPr>
-          <p:cNvPr id="5" name="Footer Placeholder 4"/>
-          <p:cNvSpPr>
-            <a:spLocks noGrp="1"/>
-          </p:cNvSpPr>
-          <p:nvPr>
-            <p:ph type="ftr" sz="quarter" idx="11"/>
-          </p:nvPr>
-        </p:nvSpPr>
-        <p:spPr/>
-        <p:txBody>
-          <a:bodyPr/>
-          <a:lstStyle>
-            <a:lvl1pPr>
-              <a:defRPr/>
-            </a:lvl1pPr>
-          </a:lstStyle>
-          <a:p>
-            <a:endParaRPr lang="en-US"/>
-          </a:p>
-        </p:txBody>
-      </p:sp>
-      <p:sp>
-        <p:nvSpPr>
-          <p:cNvPr id="6" name="Slide Number Placeholder 5"/>
-          <p:cNvSpPr>
-            <a:spLocks noGrp="1"/>
-          </p:cNvSpPr>
-          <p:nvPr>
-            <p:ph type="sldNum" sz="quarter" idx="12"/>
-          </p:nvPr>
-        </p:nvSpPr>
-        <p:spPr/>
-        <p:txBody>
-          <a:bodyPr/>
-          <a:lstStyle>
-            <a:lvl1pPr>
-              <a:defRPr/>
-            </a:lvl1pPr>
-          </a:lstStyle>
-          <a:p>
-            <a:fld id="{9F99EC81-2FE8-4025-B954-4EEC5DA9E0FE}" type="slidenum">
-              <a:rPr lang="en-US" smtClean="0"/>
-              <a:pPr/>
-              <a:t>‹#›</a:t>
-            </a:fld>
-            <a:endParaRPr lang="en-US"/>
-          </a:p>
-        </p:txBody>
-      </p:sp>
-    </p:spTree>
-  </p:cSld>
-  <p:clrMapOvr>
-    <a:masterClrMapping/>
-  </p:clrMapOvr>
-  <p:transition>
-    <p:fade/>
-  </p:transition>
-</p:sldLayout>
-</file>
-
-<file path=ppt/slideLayouts/slideLayout4.xml><?xml version="1.0" encoding="utf-8"?>
 <p:sldLayout xmlns:a="http://schemas.openxmlformats.org/drawingml/2006/main" xmlns:r="http://schemas.openxmlformats.org/officeDocument/2006/relationships" xmlns:p="http://schemas.openxmlformats.org/presentationml/2006/main" type="twoObj" preserve="1">
   <p:cSld name="Two Content">
     <p:spTree>
@@ -6687,7 +6571,7 @@
         <p:spPr>
           <a:xfrm>
             <a:off x="457200" y="1600200"/>
-            <a:ext cx="4038600" cy="4525963"/>
+            <a:ext cx="5417128" cy="4525963"/>
           </a:xfrm>
         </p:spPr>
         <p:txBody>
@@ -6770,8 +6654,8 @@
         </p:nvSpPr>
         <p:spPr>
           <a:xfrm>
-            <a:off x="4648200" y="1600200"/>
-            <a:ext cx="4038600" cy="4525963"/>
+            <a:off x="6352318" y="1600200"/>
+            <a:ext cx="5417128" cy="4525963"/>
           </a:xfrm>
         </p:spPr>
         <p:txBody>
@@ -6839,6 +6723,7 @@
               <a:rPr lang="en-US"/>
               <a:t>Fifth level</a:t>
             </a:r>
+            <a:endParaRPr lang="en-US" dirty="0"/>
           </a:p>
         </p:txBody>
       </p:sp>
@@ -6917,6 +6802,11 @@
         </p:txBody>
       </p:sp>
     </p:spTree>
+    <p:extLst>
+      <p:ext uri="{BB962C8B-B14F-4D97-AF65-F5344CB8AC3E}">
+        <p14:creationId xmlns:p14="http://schemas.microsoft.com/office/powerpoint/2010/main" val="3831605993"/>
+      </p:ext>
+    </p:extLst>
   </p:cSld>
   <p:clrMapOvr>
     <a:masterClrMapping/>
@@ -6927,7 +6817,7 @@
 </p:sldLayout>
 </file>
 
-<file path=ppt/slideLayouts/slideLayout5.xml><?xml version="1.0" encoding="utf-8"?>
+<file path=ppt/slideLayouts/slideLayout4.xml><?xml version="1.0" encoding="utf-8"?>
 <p:sldLayout xmlns:a="http://schemas.openxmlformats.org/drawingml/2006/main" xmlns:r="http://schemas.openxmlformats.org/officeDocument/2006/relationships" xmlns:p="http://schemas.openxmlformats.org/presentationml/2006/main" type="twoTxTwoObj" preserve="1">
   <p:cSld name="Comparison">
     <p:spTree>
@@ -6957,7 +6847,7 @@
         <p:spPr>
           <a:xfrm>
             <a:off x="457200" y="274638"/>
-            <a:ext cx="8229600" cy="1143000"/>
+            <a:ext cx="11305308" cy="1143000"/>
           </a:xfrm>
         </p:spPr>
         <p:txBody>
@@ -6987,8 +6877,8 @@
         </p:nvSpPr>
         <p:spPr>
           <a:xfrm>
-            <a:off x="457200" y="1535113"/>
-            <a:ext cx="4040188" cy="639762"/>
+            <a:off x="457199" y="1535113"/>
+            <a:ext cx="5550157" cy="639762"/>
           </a:xfrm>
         </p:spPr>
         <p:txBody>
@@ -7052,8 +6942,8 @@
         </p:nvSpPr>
         <p:spPr>
           <a:xfrm>
-            <a:off x="457200" y="2174875"/>
-            <a:ext cx="4040188" cy="3951288"/>
+            <a:off x="457199" y="2174875"/>
+            <a:ext cx="5550157" cy="3951288"/>
           </a:xfrm>
         </p:spPr>
         <p:txBody>
@@ -7136,8 +7026,8 @@
         </p:nvSpPr>
         <p:spPr>
           <a:xfrm>
-            <a:off x="4645025" y="1535113"/>
-            <a:ext cx="4041775" cy="639762"/>
+            <a:off x="6224438" y="1535113"/>
+            <a:ext cx="5552337" cy="639762"/>
           </a:xfrm>
         </p:spPr>
         <p:txBody>
@@ -7201,8 +7091,8 @@
         </p:nvSpPr>
         <p:spPr>
           <a:xfrm>
-            <a:off x="4645025" y="2174875"/>
-            <a:ext cx="4041775" cy="3951288"/>
+            <a:off x="6224438" y="2174875"/>
+            <a:ext cx="5552337" cy="3951288"/>
           </a:xfrm>
         </p:spPr>
         <p:txBody>
@@ -7348,6 +7238,11 @@
         </p:txBody>
       </p:sp>
     </p:spTree>
+    <p:extLst>
+      <p:ext uri="{BB962C8B-B14F-4D97-AF65-F5344CB8AC3E}">
+        <p14:creationId xmlns:p14="http://schemas.microsoft.com/office/powerpoint/2010/main" val="2004143939"/>
+      </p:ext>
+    </p:extLst>
   </p:cSld>
   <p:clrMapOvr>
     <a:masterClrMapping/>
@@ -7358,7 +7253,7 @@
 </p:sldLayout>
 </file>
 
-<file path=ppt/slideLayouts/slideLayout6.xml><?xml version="1.0" encoding="utf-8"?>
+<file path=ppt/slideLayouts/slideLayout5.xml><?xml version="1.0" encoding="utf-8"?>
 <p:sldLayout xmlns:a="http://schemas.openxmlformats.org/drawingml/2006/main" xmlns:r="http://schemas.openxmlformats.org/officeDocument/2006/relationships" xmlns:p="http://schemas.openxmlformats.org/presentationml/2006/main" type="titleOnly" preserve="1">
   <p:cSld name="Title Only">
     <p:spTree>
@@ -7472,6 +7367,11 @@
         </p:txBody>
       </p:sp>
     </p:spTree>
+    <p:extLst>
+      <p:ext uri="{BB962C8B-B14F-4D97-AF65-F5344CB8AC3E}">
+        <p14:creationId xmlns:p14="http://schemas.microsoft.com/office/powerpoint/2010/main" val="1658800275"/>
+      </p:ext>
+    </p:extLst>
   </p:cSld>
   <p:clrMapOvr>
     <a:masterClrMapping/>
@@ -7482,7 +7382,7 @@
 </p:sldLayout>
 </file>
 
-<file path=ppt/slideLayouts/slideLayout7.xml><?xml version="1.0" encoding="utf-8"?>
+<file path=ppt/slideLayouts/slideLayout6.xml><?xml version="1.0" encoding="utf-8"?>
 <p:sldLayout xmlns:a="http://schemas.openxmlformats.org/drawingml/2006/main" xmlns:r="http://schemas.openxmlformats.org/officeDocument/2006/relationships" xmlns:p="http://schemas.openxmlformats.org/presentationml/2006/main" type="blank" preserve="1">
   <p:cSld name="Blank">
     <p:spTree>
@@ -7574,6 +7474,11 @@
         </p:txBody>
       </p:sp>
     </p:spTree>
+    <p:extLst>
+      <p:ext uri="{BB962C8B-B14F-4D97-AF65-F5344CB8AC3E}">
+        <p14:creationId xmlns:p14="http://schemas.microsoft.com/office/powerpoint/2010/main" val="3790726624"/>
+      </p:ext>
+    </p:extLst>
   </p:cSld>
   <p:clrMapOvr>
     <a:masterClrMapping/>
@@ -7581,539 +7486,6 @@
   <p:transition>
     <p:fade/>
   </p:transition>
-</p:sldLayout>
-</file>
-
-<file path=ppt/slideLayouts/slideLayout8.xml><?xml version="1.0" encoding="utf-8"?>
-<p:sldLayout xmlns:a="http://schemas.openxmlformats.org/drawingml/2006/main" xmlns:r="http://schemas.openxmlformats.org/officeDocument/2006/relationships" xmlns:p="http://schemas.openxmlformats.org/presentationml/2006/main">
-  <p:cSld name="1_Custom Layout">
-    <p:spTree>
-      <p:nvGrpSpPr>
-        <p:cNvPr id="1" name="Shape 27"/>
-        <p:cNvGrpSpPr/>
-        <p:nvPr/>
-      </p:nvGrpSpPr>
-      <p:grpSpPr>
-        <a:xfrm>
-          <a:off x="0" y="0"/>
-          <a:ext cx="0" cy="0"/>
-          <a:chOff x="0" y="0"/>
-          <a:chExt cx="0" cy="0"/>
-        </a:xfrm>
-      </p:grpSpPr>
-      <p:sp>
-        <p:nvSpPr>
-          <p:cNvPr id="28" name="Shape 28"/>
-          <p:cNvSpPr txBox="1">
-            <a:spLocks noGrp="1"/>
-          </p:cNvSpPr>
-          <p:nvPr>
-            <p:ph type="title"/>
-          </p:nvPr>
-        </p:nvSpPr>
-        <p:spPr>
-          <a:xfrm>
-            <a:off x="2819400" y="228600"/>
-            <a:ext cx="6096000" cy="1143000"/>
-          </a:xfrm>
-          <a:prstGeom prst="rect">
-            <a:avLst/>
-          </a:prstGeom>
-          <a:noFill/>
-          <a:ln>
-            <a:noFill/>
-          </a:ln>
-        </p:spPr>
-        <p:txBody>
-          <a:bodyPr lIns="91425" tIns="91425" rIns="91425" bIns="91425" anchor="ctr" anchorCtr="0"/>
-          <a:lstStyle>
-            <a:lvl1pPr algn="ctr" rtl="0">
-              <a:spcBef>
-                <a:spcPts val="0"/>
-              </a:spcBef>
-              <a:spcAft>
-                <a:spcPts val="0"/>
-              </a:spcAft>
-              <a:defRPr/>
-            </a:lvl1pPr>
-            <a:lvl2pPr algn="ctr" rtl="0">
-              <a:spcBef>
-                <a:spcPts val="0"/>
-              </a:spcBef>
-              <a:spcAft>
-                <a:spcPts val="0"/>
-              </a:spcAft>
-              <a:defRPr/>
-            </a:lvl2pPr>
-            <a:lvl3pPr algn="ctr" rtl="0">
-              <a:spcBef>
-                <a:spcPts val="0"/>
-              </a:spcBef>
-              <a:spcAft>
-                <a:spcPts val="0"/>
-              </a:spcAft>
-              <a:defRPr/>
-            </a:lvl3pPr>
-            <a:lvl4pPr algn="ctr" rtl="0">
-              <a:spcBef>
-                <a:spcPts val="0"/>
-              </a:spcBef>
-              <a:spcAft>
-                <a:spcPts val="0"/>
-              </a:spcAft>
-              <a:defRPr/>
-            </a:lvl4pPr>
-            <a:lvl5pPr algn="ctr" rtl="0">
-              <a:spcBef>
-                <a:spcPts val="0"/>
-              </a:spcBef>
-              <a:spcAft>
-                <a:spcPts val="0"/>
-              </a:spcAft>
-              <a:defRPr/>
-            </a:lvl5pPr>
-            <a:lvl6pPr marL="457200" algn="ctr" rtl="0">
-              <a:spcBef>
-                <a:spcPts val="0"/>
-              </a:spcBef>
-              <a:spcAft>
-                <a:spcPts val="0"/>
-              </a:spcAft>
-              <a:defRPr/>
-            </a:lvl6pPr>
-            <a:lvl7pPr marL="914400" algn="ctr" rtl="0">
-              <a:spcBef>
-                <a:spcPts val="0"/>
-              </a:spcBef>
-              <a:spcAft>
-                <a:spcPts val="0"/>
-              </a:spcAft>
-              <a:defRPr/>
-            </a:lvl7pPr>
-            <a:lvl8pPr marL="1371600" algn="ctr" rtl="0">
-              <a:spcBef>
-                <a:spcPts val="0"/>
-              </a:spcBef>
-              <a:spcAft>
-                <a:spcPts val="0"/>
-              </a:spcAft>
-              <a:defRPr/>
-            </a:lvl8pPr>
-            <a:lvl9pPr marL="1828800" algn="ctr" rtl="0">
-              <a:spcBef>
-                <a:spcPts val="0"/>
-              </a:spcBef>
-              <a:spcAft>
-                <a:spcPts val="0"/>
-              </a:spcAft>
-              <a:defRPr/>
-            </a:lvl9pPr>
-          </a:lstStyle>
-          <a:p>
-            <a:endParaRPr/>
-          </a:p>
-        </p:txBody>
-      </p:sp>
-      <p:sp>
-        <p:nvSpPr>
-          <p:cNvPr id="29" name="Shape 29"/>
-          <p:cNvSpPr txBox="1">
-            <a:spLocks noGrp="1"/>
-          </p:cNvSpPr>
-          <p:nvPr>
-            <p:ph type="dt" idx="10"/>
-          </p:nvPr>
-        </p:nvSpPr>
-        <p:spPr>
-          <a:xfrm>
-            <a:off x="457200" y="6245225"/>
-            <a:ext cx="2133599" cy="476249"/>
-          </a:xfrm>
-          <a:prstGeom prst="rect">
-            <a:avLst/>
-          </a:prstGeom>
-          <a:noFill/>
-          <a:ln>
-            <a:noFill/>
-          </a:ln>
-        </p:spPr>
-        <p:txBody>
-          <a:bodyPr lIns="91425" tIns="91425" rIns="91425" bIns="91425" anchor="t" anchorCtr="0"/>
-          <a:lstStyle>
-            <a:lvl1pPr marL="0" marR="0" indent="0" algn="l" rtl="0">
-              <a:spcBef>
-                <a:spcPts val="0"/>
-              </a:spcBef>
-              <a:defRPr/>
-            </a:lvl1pPr>
-            <a:lvl2pPr marL="457200" marR="0" indent="0" algn="l" rtl="0">
-              <a:spcBef>
-                <a:spcPts val="0"/>
-              </a:spcBef>
-              <a:defRPr/>
-            </a:lvl2pPr>
-            <a:lvl3pPr marL="914400" marR="0" indent="0" algn="l" rtl="0">
-              <a:spcBef>
-                <a:spcPts val="0"/>
-              </a:spcBef>
-              <a:defRPr/>
-            </a:lvl3pPr>
-            <a:lvl4pPr marL="1371600" marR="0" indent="0" algn="l" rtl="0">
-              <a:spcBef>
-                <a:spcPts val="0"/>
-              </a:spcBef>
-              <a:defRPr/>
-            </a:lvl4pPr>
-            <a:lvl5pPr marL="1828800" marR="0" indent="0" algn="l" rtl="0">
-              <a:spcBef>
-                <a:spcPts val="0"/>
-              </a:spcBef>
-              <a:defRPr/>
-            </a:lvl5pPr>
-            <a:lvl6pPr marL="2286000" marR="0" indent="0" algn="l" rtl="0">
-              <a:spcBef>
-                <a:spcPts val="0"/>
-              </a:spcBef>
-              <a:defRPr/>
-            </a:lvl6pPr>
-            <a:lvl7pPr marL="2743200" marR="0" indent="0" algn="l" rtl="0">
-              <a:spcBef>
-                <a:spcPts val="0"/>
-              </a:spcBef>
-              <a:defRPr/>
-            </a:lvl7pPr>
-            <a:lvl8pPr marL="3200400" marR="0" indent="0" algn="l" rtl="0">
-              <a:spcBef>
-                <a:spcPts val="0"/>
-              </a:spcBef>
-              <a:defRPr/>
-            </a:lvl8pPr>
-            <a:lvl9pPr marL="3657600" marR="0" indent="0" algn="l" rtl="0">
-              <a:spcBef>
-                <a:spcPts val="0"/>
-              </a:spcBef>
-              <a:defRPr/>
-            </a:lvl9pPr>
-          </a:lstStyle>
-          <a:p>
-            <a:endParaRPr/>
-          </a:p>
-        </p:txBody>
-      </p:sp>
-      <p:sp>
-        <p:nvSpPr>
-          <p:cNvPr id="30" name="Shape 30"/>
-          <p:cNvSpPr txBox="1">
-            <a:spLocks noGrp="1"/>
-          </p:cNvSpPr>
-          <p:nvPr>
-            <p:ph type="ftr" idx="11"/>
-          </p:nvPr>
-        </p:nvSpPr>
-        <p:spPr>
-          <a:xfrm>
-            <a:off x="3124200" y="6245225"/>
-            <a:ext cx="2895600" cy="476249"/>
-          </a:xfrm>
-          <a:prstGeom prst="rect">
-            <a:avLst/>
-          </a:prstGeom>
-          <a:noFill/>
-          <a:ln>
-            <a:noFill/>
-          </a:ln>
-        </p:spPr>
-        <p:txBody>
-          <a:bodyPr lIns="91425" tIns="91425" rIns="91425" bIns="91425" anchor="t" anchorCtr="0"/>
-          <a:lstStyle>
-            <a:lvl1pPr marL="0" marR="0" indent="0" algn="ctr" rtl="0">
-              <a:spcBef>
-                <a:spcPts val="0"/>
-              </a:spcBef>
-              <a:defRPr/>
-            </a:lvl1pPr>
-            <a:lvl2pPr marL="457200" marR="0" indent="0" algn="l" rtl="0">
-              <a:spcBef>
-                <a:spcPts val="0"/>
-              </a:spcBef>
-              <a:defRPr/>
-            </a:lvl2pPr>
-            <a:lvl3pPr marL="914400" marR="0" indent="0" algn="l" rtl="0">
-              <a:spcBef>
-                <a:spcPts val="0"/>
-              </a:spcBef>
-              <a:defRPr/>
-            </a:lvl3pPr>
-            <a:lvl4pPr marL="1371600" marR="0" indent="0" algn="l" rtl="0">
-              <a:spcBef>
-                <a:spcPts val="0"/>
-              </a:spcBef>
-              <a:defRPr/>
-            </a:lvl4pPr>
-            <a:lvl5pPr marL="1828800" marR="0" indent="0" algn="l" rtl="0">
-              <a:spcBef>
-                <a:spcPts val="0"/>
-              </a:spcBef>
-              <a:defRPr/>
-            </a:lvl5pPr>
-            <a:lvl6pPr marL="2286000" marR="0" indent="0" algn="l" rtl="0">
-              <a:spcBef>
-                <a:spcPts val="0"/>
-              </a:spcBef>
-              <a:defRPr/>
-            </a:lvl6pPr>
-            <a:lvl7pPr marL="2743200" marR="0" indent="0" algn="l" rtl="0">
-              <a:spcBef>
-                <a:spcPts val="0"/>
-              </a:spcBef>
-              <a:defRPr/>
-            </a:lvl7pPr>
-            <a:lvl8pPr marL="3200400" marR="0" indent="0" algn="l" rtl="0">
-              <a:spcBef>
-                <a:spcPts val="0"/>
-              </a:spcBef>
-              <a:defRPr/>
-            </a:lvl8pPr>
-            <a:lvl9pPr marL="3657600" marR="0" indent="0" algn="l" rtl="0">
-              <a:spcBef>
-                <a:spcPts val="0"/>
-              </a:spcBef>
-              <a:defRPr/>
-            </a:lvl9pPr>
-          </a:lstStyle>
-          <a:p>
-            <a:endParaRPr/>
-          </a:p>
-        </p:txBody>
-      </p:sp>
-      <p:sp>
-        <p:nvSpPr>
-          <p:cNvPr id="31" name="Shape 31"/>
-          <p:cNvSpPr txBox="1">
-            <a:spLocks noGrp="1"/>
-          </p:cNvSpPr>
-          <p:nvPr>
-            <p:ph type="sldNum" idx="12"/>
-          </p:nvPr>
-        </p:nvSpPr>
-        <p:spPr>
-          <a:xfrm>
-            <a:off x="6553200" y="6245225"/>
-            <a:ext cx="2133599" cy="476249"/>
-          </a:xfrm>
-          <a:prstGeom prst="rect">
-            <a:avLst/>
-          </a:prstGeom>
-          <a:noFill/>
-          <a:ln>
-            <a:noFill/>
-          </a:ln>
-        </p:spPr>
-        <p:txBody>
-          <a:bodyPr lIns="91425" tIns="45700" rIns="91425" bIns="45700" anchor="t" anchorCtr="0">
-            <a:noAutofit/>
-          </a:bodyPr>
-          <a:lstStyle/>
-          <a:p>
-            <a:pPr marL="0" marR="0" lvl="0" indent="0" algn="r" rtl="0">
-              <a:spcBef>
-                <a:spcPts val="0"/>
-              </a:spcBef>
-              <a:buSzPct val="25000"/>
-              <a:buNone/>
-            </a:pPr>
-            <a:fld id="{00000000-1234-1234-1234-123412341234}" type="slidenum">
-              <a:rPr lang="es-HN" sz="1400" b="0" i="0" u="none" strike="noStrike" cap="none" baseline="0">
-                <a:solidFill>
-                  <a:schemeClr val="dk1"/>
-                </a:solidFill>
-                <a:latin typeface="Calibri"/>
-                <a:ea typeface="Calibri"/>
-                <a:cs typeface="Calibri"/>
-                <a:sym typeface="Calibri"/>
-              </a:rPr>
-              <a:t>‹#›</a:t>
-            </a:fld>
-            <a:endParaRPr lang="es-HN" sz="1400" b="0" i="0" u="none" strike="noStrike" cap="none" baseline="0">
-              <a:solidFill>
-                <a:schemeClr val="dk1"/>
-              </a:solidFill>
-              <a:latin typeface="Calibri"/>
-              <a:ea typeface="Calibri"/>
-              <a:cs typeface="Calibri"/>
-              <a:sym typeface="Calibri"/>
-            </a:endParaRPr>
-          </a:p>
-        </p:txBody>
-      </p:sp>
-      <p:sp>
-        <p:nvSpPr>
-          <p:cNvPr id="32" name="Shape 32"/>
-          <p:cNvSpPr txBox="1">
-            <a:spLocks noGrp="1"/>
-          </p:cNvSpPr>
-          <p:nvPr>
-            <p:ph type="body" idx="1"/>
-          </p:nvPr>
-        </p:nvSpPr>
-        <p:spPr>
-          <a:xfrm>
-            <a:off x="457200" y="1524000"/>
-            <a:ext cx="8153399" cy="4724400"/>
-          </a:xfrm>
-          <a:prstGeom prst="rect">
-            <a:avLst/>
-          </a:prstGeom>
-          <a:noFill/>
-          <a:ln>
-            <a:noFill/>
-          </a:ln>
-        </p:spPr>
-        <p:txBody>
-          <a:bodyPr lIns="91425" tIns="91425" rIns="91425" bIns="91425" anchor="t" anchorCtr="0"/>
-          <a:lstStyle>
-            <a:lvl1pPr marL="342900" indent="-139700" algn="l" rtl="0">
-              <a:spcBef>
-                <a:spcPts val="640"/>
-              </a:spcBef>
-              <a:spcAft>
-                <a:spcPts val="0"/>
-              </a:spcAft>
-              <a:buClr>
-                <a:schemeClr val="dk1"/>
-              </a:buClr>
-              <a:buFont typeface="Noto Symbol"/>
-              <a:buChar char="➢"/>
-              <a:defRPr/>
-            </a:lvl1pPr>
-            <a:lvl2pPr marL="742950" indent="-107950" algn="l" rtl="0">
-              <a:spcBef>
-                <a:spcPts val="560"/>
-              </a:spcBef>
-              <a:spcAft>
-                <a:spcPts val="0"/>
-              </a:spcAft>
-              <a:buClr>
-                <a:schemeClr val="dk1"/>
-              </a:buClr>
-              <a:buFont typeface="Noto Symbol"/>
-              <a:buChar char="➢"/>
-              <a:defRPr/>
-            </a:lvl2pPr>
-            <a:lvl3pPr marL="1143000" indent="-76200" algn="l" rtl="0">
-              <a:spcBef>
-                <a:spcPts val="480"/>
-              </a:spcBef>
-              <a:spcAft>
-                <a:spcPts val="0"/>
-              </a:spcAft>
-              <a:buClr>
-                <a:schemeClr val="dk1"/>
-              </a:buClr>
-              <a:buFont typeface="Noto Symbol"/>
-              <a:buChar char="➢"/>
-              <a:defRPr/>
-            </a:lvl3pPr>
-            <a:lvl4pPr marL="1600200" indent="-101600" algn="l" rtl="0">
-              <a:spcBef>
-                <a:spcPts val="400"/>
-              </a:spcBef>
-              <a:spcAft>
-                <a:spcPts val="0"/>
-              </a:spcAft>
-              <a:buClr>
-                <a:schemeClr val="dk1"/>
-              </a:buClr>
-              <a:buFont typeface="Noto Symbol"/>
-              <a:buChar char="➢"/>
-              <a:defRPr/>
-            </a:lvl4pPr>
-            <a:lvl5pPr marL="2057400" indent="-101600" algn="l" rtl="0">
-              <a:spcBef>
-                <a:spcPts val="400"/>
-              </a:spcBef>
-              <a:spcAft>
-                <a:spcPts val="0"/>
-              </a:spcAft>
-              <a:buClr>
-                <a:schemeClr val="dk1"/>
-              </a:buClr>
-              <a:buFont typeface="Noto Symbol"/>
-              <a:buChar char="➢"/>
-              <a:defRPr/>
-            </a:lvl5pPr>
-            <a:lvl6pPr marL="2514600" indent="-101600" algn="l" rtl="0">
-              <a:spcBef>
-                <a:spcPts val="400"/>
-              </a:spcBef>
-              <a:spcAft>
-                <a:spcPts val="0"/>
-              </a:spcAft>
-              <a:buClr>
-                <a:schemeClr val="dk1"/>
-              </a:buClr>
-              <a:buFont typeface="Noto Symbol"/>
-              <a:buChar char="➢"/>
-              <a:defRPr/>
-            </a:lvl6pPr>
-            <a:lvl7pPr marL="2971800" indent="-101600" algn="l" rtl="0">
-              <a:spcBef>
-                <a:spcPts val="400"/>
-              </a:spcBef>
-              <a:spcAft>
-                <a:spcPts val="0"/>
-              </a:spcAft>
-              <a:buClr>
-                <a:schemeClr val="dk1"/>
-              </a:buClr>
-              <a:buFont typeface="Noto Symbol"/>
-              <a:buChar char="➢"/>
-              <a:defRPr/>
-            </a:lvl7pPr>
-            <a:lvl8pPr marL="3429000" indent="-101600" algn="l" rtl="0">
-              <a:spcBef>
-                <a:spcPts val="400"/>
-              </a:spcBef>
-              <a:spcAft>
-                <a:spcPts val="0"/>
-              </a:spcAft>
-              <a:buClr>
-                <a:schemeClr val="dk1"/>
-              </a:buClr>
-              <a:buFont typeface="Noto Symbol"/>
-              <a:buChar char="➢"/>
-              <a:defRPr/>
-            </a:lvl8pPr>
-            <a:lvl9pPr marL="3886200" indent="-101600" algn="l" rtl="0">
-              <a:spcBef>
-                <a:spcPts val="400"/>
-              </a:spcBef>
-              <a:spcAft>
-                <a:spcPts val="0"/>
-              </a:spcAft>
-              <a:buClr>
-                <a:schemeClr val="dk1"/>
-              </a:buClr>
-              <a:buFont typeface="Noto Symbol"/>
-              <a:buChar char="➢"/>
-              <a:defRPr/>
-            </a:lvl9pPr>
-          </a:lstStyle>
-          <a:p>
-            <a:endParaRPr/>
-          </a:p>
-        </p:txBody>
-      </p:sp>
-    </p:spTree>
-    <p:extLst>
-      <p:ext uri="{BB962C8B-B14F-4D97-AF65-F5344CB8AC3E}">
-        <p14:creationId xmlns:p14="http://schemas.microsoft.com/office/powerpoint/2010/main" val="2980621394"/>
-      </p:ext>
-    </p:extLst>
-  </p:cSld>
-  <p:clrMapOvr>
-    <a:masterClrMapping/>
-  </p:clrMapOvr>
 </p:sldLayout>
 </file>
 
@@ -8154,8 +7526,8 @@
         </p:nvSpPr>
         <p:spPr bwMode="auto">
           <a:xfrm>
-            <a:off x="457200" y="228600"/>
-            <a:ext cx="8458200" cy="1143000"/>
+            <a:off x="457199" y="228600"/>
+            <a:ext cx="11305309" cy="1143000"/>
           </a:xfrm>
           <a:prstGeom prst="rect">
             <a:avLst/>
@@ -8199,7 +7571,7 @@
         <p:spPr bwMode="auto">
           <a:xfrm>
             <a:off x="457200" y="1600200"/>
-            <a:ext cx="8229600" cy="4525963"/>
+            <a:ext cx="11305308" cy="4525963"/>
           </a:xfrm>
           <a:prstGeom prst="rect">
             <a:avLst/>
@@ -8270,7 +7642,7 @@
         </p:nvSpPr>
         <p:spPr bwMode="auto">
           <a:xfrm>
-            <a:off x="457200" y="6245225"/>
+            <a:off x="457200" y="6267233"/>
             <a:ext cx="2133600" cy="476250"/>
           </a:xfrm>
           <a:prstGeom prst="rect">
@@ -8315,7 +7687,7 @@
         </p:nvSpPr>
         <p:spPr bwMode="auto">
           <a:xfrm>
-            <a:off x="3124200" y="6245225"/>
+            <a:off x="4648200" y="6267233"/>
             <a:ext cx="2895600" cy="476250"/>
           </a:xfrm>
           <a:prstGeom prst="rect">
@@ -8360,7 +7732,7 @@
         </p:nvSpPr>
         <p:spPr bwMode="auto">
           <a:xfrm>
-            <a:off x="6553200" y="6245225"/>
+            <a:off x="9628908" y="6267233"/>
             <a:ext cx="2133600" cy="476250"/>
           </a:xfrm>
           <a:prstGeom prst="rect">
@@ -8409,7 +7781,7 @@
         <p:spPr bwMode="auto">
           <a:xfrm>
             <a:off x="0" y="1447800"/>
-            <a:ext cx="9144000" cy="0"/>
+            <a:ext cx="12192000" cy="0"/>
           </a:xfrm>
           <a:prstGeom prst="line">
             <a:avLst/>
@@ -8441,17 +7813,20 @@
         </p:txBody>
       </p:sp>
     </p:spTree>
+    <p:extLst>
+      <p:ext uri="{BB962C8B-B14F-4D97-AF65-F5344CB8AC3E}">
+        <p14:creationId xmlns:p14="http://schemas.microsoft.com/office/powerpoint/2010/main" val="4091998361"/>
+      </p:ext>
+    </p:extLst>
   </p:cSld>
   <p:clrMap bg1="lt1" tx1="dk1" bg2="lt2" tx2="dk2" accent1="accent1" accent2="accent2" accent3="accent3" accent4="accent4" accent5="accent5" accent6="accent6" hlink="hlink" folHlink="folHlink"/>
   <p:sldLayoutIdLst>
-    <p:sldLayoutId id="2147483679" r:id="rId1"/>
-    <p:sldLayoutId id="2147483680" r:id="rId2"/>
-    <p:sldLayoutId id="2147483681" r:id="rId3"/>
-    <p:sldLayoutId id="2147483682" r:id="rId4"/>
-    <p:sldLayoutId id="2147483683" r:id="rId5"/>
-    <p:sldLayoutId id="2147483684" r:id="rId6"/>
-    <p:sldLayoutId id="2147483685" r:id="rId7"/>
-    <p:sldLayoutId id="2147483687" r:id="rId8"/>
+    <p:sldLayoutId id="2147483689" r:id="rId1"/>
+    <p:sldLayoutId id="2147483690" r:id="rId2"/>
+    <p:sldLayoutId id="2147483691" r:id="rId3"/>
+    <p:sldLayoutId id="2147483692" r:id="rId4"/>
+    <p:sldLayoutId id="2147483693" r:id="rId5"/>
+    <p:sldLayoutId id="2147483694" r:id="rId6"/>
   </p:sldLayoutIdLst>
   <p:transition>
     <p:fade/>
@@ -9004,13 +8379,6 @@
   <p:transition>
     <p:fade/>
   </p:transition>
-  <p:timing>
-    <p:tnLst>
-      <p:par>
-        <p:cTn id="1" dur="indefinite" restart="never" nodeType="tmRoot"/>
-      </p:par>
-    </p:tnLst>
-  </p:timing>
 </p:sld>
 </file>
 
@@ -9050,17 +8418,8 @@
               <a:rPr lang="en-US" dirty="0">
                 <a:sym typeface="Calibri"/>
               </a:rPr>
-              <a:t>Cross Contamination </a:t>
-            </a:r>
-            <a:r>
-              <a:rPr lang="en-US" dirty="0" smtClean="0">
-                <a:sym typeface="Calibri"/>
-              </a:rPr>
-              <a:t>is </a:t>
-            </a:r>
-            <a:endParaRPr lang="en-US" dirty="0">
-              <a:sym typeface="Calibri"/>
-            </a:endParaRPr>
+              <a:t>Cross Contamination is </a:t>
+            </a:r>
           </a:p>
         </p:txBody>
       </p:sp>
@@ -9260,13 +8619,6 @@
   <p:transition spd="slow">
     <p:cut/>
   </p:transition>
-  <p:timing>
-    <p:tnLst>
-      <p:par>
-        <p:cTn id="1" dur="indefinite" restart="never" nodeType="tmRoot"/>
-      </p:par>
-    </p:tnLst>
-  </p:timing>
 </p:sld>
 </file>
 
@@ -9333,13 +8685,8 @@
             <a:pPr lvl="1"/>
             <a:r>
               <a:rPr lang="en-US" sz="2000" dirty="0"/>
-              <a:t>Treatment </a:t>
-            </a:r>
-            <a:r>
-              <a:rPr lang="en-US" sz="2000" dirty="0" smtClean="0"/>
-              <a:t>failure</a:t>
-            </a:r>
-            <a:endParaRPr lang="en-US" sz="2000" dirty="0"/>
+              <a:t>Treatment failure</a:t>
+            </a:r>
           </a:p>
           <a:p>
             <a:pPr lvl="1"/>
@@ -9421,10 +8768,9 @@
           <a:lstStyle/>
           <a:p>
             <a:r>
-              <a:rPr lang="en-US" sz="2400" dirty="0" smtClean="0"/>
+              <a:rPr lang="en-US" sz="2400" dirty="0"/>
               <a:t>Groundwater doesn’t require chlorine!?!?</a:t>
             </a:r>
-            <a:endParaRPr lang="en-US" sz="2400" dirty="0"/>
           </a:p>
         </p:txBody>
       </p:sp>
@@ -9645,13 +8991,6 @@
   <p:transition>
     <p:fade/>
   </p:transition>
-  <p:timing>
-    <p:tnLst>
-      <p:par>
-        <p:cTn id="1" dur="indefinite" restart="never" nodeType="tmRoot"/>
-      </p:par>
-    </p:tnLst>
-  </p:timing>
 </p:sld>
 </file>
 
@@ -9712,7 +9051,7 @@
           <a:graphicData uri="http://schemas.openxmlformats.org/presentationml/2006/ole">
             <mc:AlternateContent xmlns:mc="http://schemas.openxmlformats.org/markup-compatibility/2006">
               <mc:Choice xmlns:v="urn:schemas-microsoft-com:vml" Requires="v">
-                <p:oleObj spid="_x0000_s53280" name="Chart" r:id="rId4" imgW="6696143" imgH="4505415" progId="Excel.Sheet.8">
+                <p:oleObj spid="_x0000_s53282" name="Chart" r:id="rId4" imgW="6696143" imgH="4505415" progId="Excel.Sheet.8">
                   <p:embed followColorScheme="full"/>
                 </p:oleObj>
               </mc:Choice>
@@ -10124,7 +9463,7 @@
           <a:graphicData uri="http://schemas.openxmlformats.org/presentationml/2006/ole">
             <mc:AlternateContent xmlns:mc="http://schemas.openxmlformats.org/markup-compatibility/2006">
               <mc:Choice xmlns:v="urn:schemas-microsoft-com:vml" Requires="v">
-                <p:oleObj spid="_x0000_s358430" name="Chart" r:id="rId3" imgW="6696143" imgH="4505415" progId="Excel.Sheet.8">
+                <p:oleObj spid="_x0000_s358432" name="Chart" r:id="rId3" imgW="6696143" imgH="4505415" progId="Excel.Sheet.8">
                   <p:embed followColorScheme="full"/>
                 </p:oleObj>
               </mc:Choice>
@@ -10251,13 +9590,6 @@
   <p:transition>
     <p:fade/>
   </p:transition>
-  <p:timing>
-    <p:tnLst>
-      <p:par>
-        <p:cTn id="1" dur="indefinite" restart="never" nodeType="tmRoot"/>
-      </p:par>
-    </p:tnLst>
-  </p:timing>
 </p:sld>
 </file>
 
@@ -10363,13 +9695,8 @@
             </a:r>
             <a:r>
               <a:rPr lang="en-US" sz="2800" dirty="0"/>
-              <a:t> residual – 0.4 mg/L </a:t>
-            </a:r>
-            <a:r>
-              <a:rPr lang="en-US" sz="2800" dirty="0" smtClean="0"/>
-              <a:t>carbon</a:t>
-            </a:r>
-            <a:endParaRPr lang="en-US" sz="2800" dirty="0"/>
+              <a:t> residual – 0.4 mg/L carbon</a:t>
+            </a:r>
           </a:p>
           <a:p>
             <a:r>
@@ -10387,13 +9714,6 @@
   <p:transition>
     <p:fade/>
   </p:transition>
-  <p:timing>
-    <p:tnLst>
-      <p:par>
-        <p:cTn id="1" dur="indefinite" restart="never" nodeType="tmRoot"/>
-      </p:par>
-    </p:tnLst>
-  </p:timing>
 </p:sld>
 </file>
 
@@ -10495,13 +9815,6 @@
   <p:transition>
     <p:fade/>
   </p:transition>
-  <p:timing>
-    <p:tnLst>
-      <p:par>
-        <p:cTn id="1" dur="indefinite" restart="never" nodeType="tmRoot"/>
-      </p:par>
-    </p:tnLst>
-  </p:timing>
 </p:sld>
 </file>
 
@@ -10717,7 +10030,7 @@
             <a:graphicData uri="http://schemas.openxmlformats.org/presentationml/2006/ole">
               <mc:AlternateContent xmlns:mc="http://schemas.openxmlformats.org/markup-compatibility/2006">
                 <mc:Choice xmlns:v="urn:schemas-microsoft-com:vml" Requires="v">
-                  <p:oleObj spid="_x0000_s167974" name="Equation" r:id="rId5" imgW="685800" imgH="380880" progId="Equation.DSMT4">
+                  <p:oleObj spid="_x0000_s167976" name="Equation" r:id="rId5" imgW="685800" imgH="380880" progId="Equation.DSMT4">
                     <p:embed/>
                   </p:oleObj>
                 </mc:Choice>
@@ -15462,13 +14775,8 @@
           <a:p>
             <a:r>
               <a:rPr lang="en-US" sz="2800" dirty="0"/>
-              <a:t>It kills </a:t>
-            </a:r>
-            <a:r>
-              <a:rPr lang="en-US" sz="2800" dirty="0" smtClean="0"/>
-              <a:t>stuff</a:t>
-            </a:r>
-            <a:endParaRPr lang="en-US" sz="2800" dirty="0"/>
+              <a:t>It kills stuff</a:t>
+            </a:r>
           </a:p>
           <a:p>
             <a:r>
@@ -15534,13 +14842,6 @@
   <p:transition>
     <p:fade/>
   </p:transition>
-  <p:timing>
-    <p:tnLst>
-      <p:par>
-        <p:cTn id="1" dur="indefinite" restart="never" nodeType="tmRoot"/>
-      </p:par>
-    </p:tnLst>
-  </p:timing>
 </p:sld>
 </file>
 
@@ -16395,13 +15696,6 @@
   <p:transition>
     <p:fade/>
   </p:transition>
-  <p:timing>
-    <p:tnLst>
-      <p:par>
-        <p:cTn id="1" dur="indefinite" restart="never" nodeType="tmRoot"/>
-      </p:par>
-    </p:tnLst>
-  </p:timing>
 </p:sld>
 </file>
 
@@ -19398,13 +18692,6 @@
   <p:transition>
     <p:fade/>
   </p:transition>
-  <p:timing>
-    <p:tnLst>
-      <p:par>
-        <p:cTn id="1" dur="indefinite" restart="never" nodeType="tmRoot"/>
-      </p:par>
-    </p:tnLst>
-  </p:timing>
 </p:sld>
 </file>
 
@@ -19441,10 +18728,9 @@
           <a:lstStyle/>
           <a:p>
             <a:r>
-              <a:rPr lang="en-US" dirty="0" smtClean="0"/>
+              <a:rPr lang="en-US" dirty="0"/>
               <a:t>Two towns</a:t>
             </a:r>
-            <a:endParaRPr lang="en-US" dirty="0"/>
           </a:p>
         </p:txBody>
       </p:sp>
@@ -19464,19 +18750,19 @@
           <a:lstStyle/>
           <a:p>
             <a:r>
-              <a:rPr lang="en-US" dirty="0" smtClean="0"/>
+              <a:rPr lang="en-US" dirty="0"/>
               <a:t>Population 2000</a:t>
             </a:r>
           </a:p>
           <a:p>
             <a:r>
-              <a:rPr lang="en-US" dirty="0" smtClean="0"/>
+              <a:rPr lang="en-US" dirty="0"/>
               <a:t>Surface water source: 2 to 800 NTU</a:t>
             </a:r>
           </a:p>
           <a:p>
             <a:r>
-              <a:rPr lang="en-US" dirty="0" smtClean="0"/>
+              <a:rPr lang="en-US" dirty="0"/>
               <a:t>Full AguaClara (or conventional water treatment plant)</a:t>
             </a:r>
           </a:p>
@@ -19504,28 +18790,26 @@
               <a:rPr lang="en-US" dirty="0"/>
               <a:t>Population 2000 </a:t>
             </a:r>
-            <a:endParaRPr lang="en-US" dirty="0" smtClean="0"/>
-          </a:p>
-          <a:p>
-            <a:r>
-              <a:rPr lang="en-US" dirty="0" smtClean="0"/>
+          </a:p>
+          <a:p>
+            <a:r>
+              <a:rPr lang="en-US" dirty="0"/>
               <a:t>Surface water source: 0.5-3 NTU</a:t>
             </a:r>
           </a:p>
           <a:p>
             <a:r>
-              <a:rPr lang="en-US" dirty="0" smtClean="0"/>
+              <a:rPr lang="en-US" dirty="0"/>
               <a:t>Chlorination (could be chlorine tablets or could be AguaClara </a:t>
             </a:r>
             <a:r>
-              <a:rPr lang="en-US" dirty="0" err="1" smtClean="0"/>
+              <a:rPr lang="en-US" dirty="0" err="1"/>
               <a:t>doser</a:t>
             </a:r>
             <a:r>
-              <a:rPr lang="en-US" dirty="0" smtClean="0"/>
+              <a:rPr lang="en-US" dirty="0"/>
               <a:t>)</a:t>
             </a:r>
-            <a:endParaRPr lang="en-US" dirty="0"/>
           </a:p>
         </p:txBody>
       </p:sp>
@@ -19552,10 +18836,9 @@
           <a:lstStyle/>
           <a:p>
             <a:r>
-              <a:rPr lang="en-US" dirty="0" smtClean="0"/>
+              <a:rPr lang="en-US" dirty="0"/>
               <a:t>Compare these two for water quality, customer acceptance, sustainability, what happens during a treatment failure, ability to handle dissolved organics, required water tariff, etc.</a:t>
             </a:r>
-            <a:endParaRPr lang="en-US" dirty="0"/>
           </a:p>
         </p:txBody>
       </p:sp>
@@ -19572,13 +18855,6 @@
   <p:transition>
     <p:fade/>
   </p:transition>
-  <p:timing>
-    <p:tnLst>
-      <p:par>
-        <p:cTn id="1" dur="indefinite" restart="never" nodeType="tmRoot"/>
-      </p:par>
-    </p:tnLst>
-  </p:timing>
 </p:sld>
 </file>
 
@@ -19660,13 +18936,8 @@
             </a:pPr>
             <a:r>
               <a:rPr lang="en-US" sz="2800" dirty="0"/>
-              <a:t>Then you will likely recommend chlorination as the first line of defense in the Majority </a:t>
-            </a:r>
-            <a:r>
-              <a:rPr lang="en-US" sz="2800" dirty="0" smtClean="0"/>
-              <a:t>World-</a:t>
-            </a:r>
-            <a:endParaRPr lang="en-US" sz="2800" dirty="0"/>
+              <a:t>Then you will likely recommend chlorination as the first line of defense in the Majority World-</a:t>
+            </a:r>
           </a:p>
           <a:p>
             <a:pPr>
@@ -19676,13 +18947,8 @@
             </a:pPr>
             <a:r>
               <a:rPr lang="en-US" sz="2800" dirty="0"/>
-              <a:t>But in small systems (in the </a:t>
-            </a:r>
-            <a:r>
-              <a:rPr lang="en-US" sz="2800" dirty="0" smtClean="0"/>
-              <a:t>Majority World)</a:t>
-            </a:r>
-            <a:endParaRPr lang="en-US" sz="2800" dirty="0"/>
+              <a:t>But in small systems (in the Majority World)</a:t>
+            </a:r>
           </a:p>
           <a:p>
             <a:pPr lvl="1">
@@ -19725,11 +18991,7 @@
             </a:pPr>
             <a:r>
               <a:rPr lang="en-US" sz="2000" dirty="0"/>
-              <a:t>that contains pathogens embedded in organic </a:t>
-            </a:r>
-            <a:r>
-              <a:rPr lang="en-US" sz="2000" dirty="0" smtClean="0"/>
-              <a:t>particles</a:t>
+              <a:t>that contains pathogens embedded in organic particles</a:t>
             </a:r>
           </a:p>
           <a:p>
@@ -19739,10 +19001,9 @@
               </a:lnSpc>
             </a:pPr>
             <a:r>
-              <a:rPr lang="en-US" sz="2000" dirty="0" smtClean="0"/>
+              <a:rPr lang="en-US" sz="2000" dirty="0"/>
               <a:t>that produces disinfection byproducts</a:t>
             </a:r>
-            <a:endParaRPr lang="en-US" sz="2000" dirty="0"/>
           </a:p>
           <a:p>
             <a:pPr lvl="1">
@@ -20217,7 +19478,7 @@
           <a:graphicData uri="http://schemas.openxmlformats.org/presentationml/2006/ole">
             <mc:AlternateContent xmlns:mc="http://schemas.openxmlformats.org/markup-compatibility/2006">
               <mc:Choice xmlns:v="urn:schemas-microsoft-com:vml" Requires="v">
-                <p:oleObj spid="_x0000_s134176" name="Chart" r:id="rId4" imgW="4943543" imgH="2866935" progId="Excel.Sheet.8">
+                <p:oleObj spid="_x0000_s134178" name="Chart" r:id="rId4" imgW="4943543" imgH="2866935" progId="Excel.Sheet.8">
                   <p:embed followColorScheme="full"/>
                 </p:oleObj>
               </mc:Choice>
@@ -20341,13 +19602,6 @@
   <p:transition>
     <p:fade/>
   </p:transition>
-  <p:timing>
-    <p:tnLst>
-      <p:par>
-        <p:cTn id="1" dur="indefinite" restart="never" nodeType="tmRoot"/>
-      </p:par>
-    </p:tnLst>
-  </p:timing>
 </p:sld>
 </file>
 
@@ -20460,13 +19714,6 @@
   <p:transition>
     <p:fade/>
   </p:transition>
-  <p:timing>
-    <p:tnLst>
-      <p:par>
-        <p:cTn id="1" dur="indefinite" restart="never" nodeType="tmRoot"/>
-      </p:par>
-    </p:tnLst>
-  </p:timing>
 </p:sld>
 </file>
 
@@ -20811,7 +20058,7 @@
                         <a:t>Bleach Concentration in terms of sodium hypochlorite (</a:t>
                       </a:r>
                       <a:r>
-                        <a:rPr kumimoji="0" lang="en-US" sz="1400" b="0" i="0" u="none" strike="noStrike" cap="none" normalizeH="0" baseline="0" dirty="0" err="1" smtClean="0">
+                        <a:rPr kumimoji="0" lang="en-US" sz="1400" b="0" i="0" u="none" strike="noStrike" cap="none" normalizeH="0" baseline="0" dirty="0" err="1">
                           <a:ln>
                             <a:noFill/>
                           </a:ln>
@@ -20825,7 +20072,7 @@
                         <a:t>NaOCl</a:t>
                       </a:r>
                       <a:r>
-                        <a:rPr kumimoji="0" lang="en-US" sz="1400" b="0" i="0" u="none" strike="noStrike" cap="none" normalizeH="0" baseline="0" dirty="0" smtClean="0">
+                        <a:rPr kumimoji="0" lang="en-US" sz="1400" b="0" i="0" u="none" strike="noStrike" cap="none" normalizeH="0" baseline="0" dirty="0">
                           <a:ln>
                             <a:noFill/>
                           </a:ln>
@@ -24209,13 +23456,6 @@
   <p:transition>
     <p:fade/>
   </p:transition>
-  <p:timing>
-    <p:tnLst>
-      <p:par>
-        <p:cTn id="1" dur="indefinite" restart="never" nodeType="tmRoot"/>
-      </p:par>
-    </p:tnLst>
-  </p:timing>
 </p:sld>
 </file>
 
@@ -24274,7 +23514,7 @@
           <a:graphicData uri="http://schemas.openxmlformats.org/presentationml/2006/ole">
             <mc:AlternateContent xmlns:mc="http://schemas.openxmlformats.org/markup-compatibility/2006">
               <mc:Choice xmlns:v="urn:schemas-microsoft-com:vml" Requires="v">
-                <p:oleObj spid="_x0000_s294971" name="Mathcad" r:id="rId3" imgW="1162080" imgH="1438200" progId="Mathcad">
+                <p:oleObj spid="_x0000_s294975" name="Mathcad" r:id="rId3" imgW="1162080" imgH="1438200" progId="Mathcad">
                   <p:embed/>
                 </p:oleObj>
               </mc:Choice>
@@ -24367,7 +23607,7 @@
           <a:graphicData uri="http://schemas.openxmlformats.org/presentationml/2006/ole">
             <mc:AlternateContent xmlns:mc="http://schemas.openxmlformats.org/markup-compatibility/2006">
               <mc:Choice xmlns:v="urn:schemas-microsoft-com:vml" Requires="v">
-                <p:oleObj spid="_x0000_s294972" name="Mathcad" r:id="rId5" imgW="1209600" imgH="1495440" progId="Mathcad">
+                <p:oleObj spid="_x0000_s294976" name="Mathcad" r:id="rId5" imgW="1209600" imgH="1495440" progId="Mathcad">
                   <p:embed/>
                 </p:oleObj>
               </mc:Choice>
@@ -27822,21 +27062,6 @@
                         </a:rPr>
                         <a:t>1</a:t>
                       </a:r>
-                      <a:r>
-                        <a:rPr kumimoji="0" lang="en-US" sz="1600" b="1" i="0" u="none" strike="noStrike" cap="none" normalizeH="0" baseline="0">
-                          <a:ln>
-                            <a:noFill/>
-                          </a:ln>
-                          <a:solidFill>
-                            <a:schemeClr val="tx1"/>
-                          </a:solidFill>
-                          <a:effectLst/>
-                          <a:latin typeface="Arial" charset="0"/>
-                          <a:ea typeface="Times New Roman" pitchFamily="18" charset="0"/>
-                          <a:cs typeface="Arial" charset="0"/>
-                        </a:rPr>
-                        <a:t/>
-                      </a:r>
                       <a:br>
                         <a:rPr kumimoji="0" lang="en-US" sz="1600" b="1" i="0" u="none" strike="noStrike" cap="none" normalizeH="0" baseline="0">
                           <a:ln>
@@ -27977,21 +27202,6 @@
                           <a:hlinkClick r:id="rId3"/>
                         </a:rPr>
                         <a:t>1</a:t>
-                      </a:r>
-                      <a:r>
-                        <a:rPr kumimoji="0" lang="en-US" sz="1600" b="1" i="0" u="none" strike="noStrike" cap="none" normalizeH="0" baseline="0">
-                          <a:ln>
-                            <a:noFill/>
-                          </a:ln>
-                          <a:solidFill>
-                            <a:schemeClr val="tx1"/>
-                          </a:solidFill>
-                          <a:effectLst/>
-                          <a:latin typeface="Arial" charset="0"/>
-                          <a:ea typeface="Times New Roman" pitchFamily="18" charset="0"/>
-                          <a:cs typeface="Arial" charset="0"/>
-                        </a:rPr>
-                        <a:t/>
                       </a:r>
                       <a:br>
                         <a:rPr kumimoji="0" lang="en-US" sz="1600" b="1" i="0" u="none" strike="noStrike" cap="none" normalizeH="0" baseline="0">
@@ -29668,13 +28878,6 @@
   <p:transition>
     <p:fade/>
   </p:transition>
-  <p:timing>
-    <p:tnLst>
-      <p:par>
-        <p:cTn id="1" dur="indefinite" restart="never" nodeType="tmRoot"/>
-      </p:par>
-    </p:tnLst>
-  </p:timing>
 </p:sld>
 </file>
 
@@ -29839,7 +29042,7 @@
           <a:graphicData uri="http://schemas.openxmlformats.org/presentationml/2006/ole">
             <mc:AlternateContent xmlns:mc="http://schemas.openxmlformats.org/markup-compatibility/2006">
               <mc:Choice xmlns:v="urn:schemas-microsoft-com:vml" Requires="v">
-                <p:oleObj spid="_x0000_s145461" name="Worksheet" r:id="rId5" imgW="7267643" imgH="4352835" progId="Excel.Sheet.8">
+                <p:oleObj spid="_x0000_s145463" name="Worksheet" r:id="rId5" imgW="7267643" imgH="4352835" progId="Excel.Sheet.8">
                   <p:embed followColorScheme="full"/>
                 </p:oleObj>
               </mc:Choice>
@@ -31055,7 +30258,7 @@
           <a:lstStyle/>
           <a:p>
             <a:r>
-              <a:rPr lang="en-US" sz="2400" kern="0" dirty="0" smtClean="0">
+              <a:rPr lang="en-US" sz="2400" kern="0" dirty="0">
                 <a:solidFill>
                   <a:srgbClr val="000000"/>
                 </a:solidFill>
@@ -31090,10 +30293,9 @@
           <a:lstStyle/>
           <a:p>
             <a:r>
-              <a:rPr lang="en-US" dirty="0" smtClean="0"/>
+              <a:rPr lang="en-US" dirty="0"/>
               <a:t>What is wrong with the concept of credit for percent removal?</a:t>
             </a:r>
-            <a:endParaRPr lang="en-US" dirty="0"/>
           </a:p>
         </p:txBody>
       </p:sp>
@@ -32777,21 +31979,6 @@
                           <a:hlinkClick r:id="rId3"/>
                         </a:rPr>
                         <a:t>1</a:t>
-                      </a:r>
-                      <a:r>
-                        <a:rPr kumimoji="0" lang="en-US" sz="1600" b="1" i="0" u="none" strike="noStrike" cap="none" normalizeH="0" baseline="0">
-                          <a:ln>
-                            <a:noFill/>
-                          </a:ln>
-                          <a:solidFill>
-                            <a:schemeClr val="tx1"/>
-                          </a:solidFill>
-                          <a:effectLst/>
-                          <a:latin typeface="Arial" charset="0"/>
-                          <a:ea typeface="Times New Roman" pitchFamily="18" charset="0"/>
-                          <a:cs typeface="Arial" charset="0"/>
-                        </a:rPr>
-                        <a:t/>
                       </a:r>
                       <a:br>
                         <a:rPr kumimoji="0" lang="en-US" sz="1600" b="1" i="0" u="none" strike="noStrike" cap="none" normalizeH="0" baseline="0">
@@ -34499,21 +33686,6 @@
                         </a:rPr>
                         <a:t>7</a:t>
                       </a:r>
-                      <a:r>
-                        <a:rPr kumimoji="0" lang="en-US" sz="1600" b="0" i="0" u="none" strike="noStrike" cap="none" normalizeH="0" baseline="0">
-                          <a:ln>
-                            <a:noFill/>
-                          </a:ln>
-                          <a:solidFill>
-                            <a:srgbClr val="000000"/>
-                          </a:solidFill>
-                          <a:effectLst/>
-                          <a:latin typeface="Arial" charset="0"/>
-                          <a:ea typeface="Times New Roman" pitchFamily="18" charset="0"/>
-                          <a:cs typeface="Arial" charset="0"/>
-                        </a:rPr>
-                        <a:t/>
-                      </a:r>
                       <a:br>
                         <a:rPr kumimoji="0" lang="en-US" sz="1600" b="0" i="0" u="none" strike="noStrike" cap="none" normalizeH="0" baseline="0">
                           <a:ln>
@@ -34947,13 +34119,6 @@
   <p:transition>
     <p:fade/>
   </p:transition>
-  <p:timing>
-    <p:tnLst>
-      <p:par>
-        <p:cTn id="1" dur="indefinite" restart="never" nodeType="tmRoot"/>
-      </p:par>
-    </p:tnLst>
-  </p:timing>
 </p:sld>
 </file>
 
@@ -35029,15 +34194,7 @@
           <a:p>
             <a:r>
               <a:rPr lang="en-US" dirty="0"/>
-              <a:t>15% </a:t>
-            </a:r>
-            <a:r>
-              <a:rPr lang="en-US" dirty="0" smtClean="0"/>
-              <a:t>(2248) attributable </a:t>
-            </a:r>
-            <a:r>
-              <a:rPr lang="en-US" dirty="0"/>
-              <a:t>to exposure to chlorination by-products (</a:t>
+              <a:t>15% (2248) attributable to exposure to chlorination by-products (</a:t>
             </a:r>
             <a:r>
               <a:rPr lang="en-US" sz="1200" dirty="0">
@@ -35053,27 +34210,22 @@
           <a:p>
             <a:r>
               <a:rPr lang="en-US" dirty="0"/>
-              <a:t>1/139,000 people may die from bladder cancer from exposure to chlorination </a:t>
-            </a:r>
-            <a:r>
-              <a:rPr lang="en-US" dirty="0" smtClean="0"/>
-              <a:t>by-products</a:t>
-            </a:r>
-          </a:p>
-          <a:p>
-            <a:r>
-              <a:rPr lang="en-US" dirty="0" smtClean="0"/>
+              <a:t>1/139,000 people may die from bladder cancer from exposure to chlorination by-products</a:t>
+            </a:r>
+          </a:p>
+          <a:p>
+            <a:r>
+              <a:rPr lang="en-US" dirty="0"/>
               <a:t>6,939 deaths/</a:t>
             </a:r>
             <a:r>
-              <a:rPr lang="en-US" dirty="0" err="1" smtClean="0"/>
+              <a:rPr lang="en-US" dirty="0" err="1"/>
               <a:t>yr</a:t>
             </a:r>
             <a:r>
-              <a:rPr lang="en-US" dirty="0" smtClean="0"/>
+              <a:rPr lang="en-US" dirty="0"/>
               <a:t> (2017)  from pathogens that can be waterborne</a:t>
             </a:r>
-            <a:endParaRPr lang="en-US" dirty="0"/>
           </a:p>
         </p:txBody>
       </p:sp>
@@ -35156,13 +34308,6 @@
   <p:transition>
     <p:fade/>
   </p:transition>
-  <p:timing>
-    <p:tnLst>
-      <p:par>
-        <p:cTn id="1" dur="indefinite" restart="never" nodeType="tmRoot"/>
-      </p:par>
-    </p:tnLst>
-  </p:timing>
 </p:sld>
 </file>
 
@@ -35264,7 +34409,7 @@
           <a:graphicData uri="http://schemas.openxmlformats.org/presentationml/2006/ole">
             <mc:AlternateContent xmlns:mc="http://schemas.openxmlformats.org/markup-compatibility/2006">
               <mc:Choice xmlns:v="urn:schemas-microsoft-com:vml" Requires="v">
-                <p:oleObj spid="_x0000_s154656" name="Worksheet" r:id="rId4" imgW="5524500" imgH="3562440" progId="Excel.Sheet.8">
+                <p:oleObj spid="_x0000_s154658" name="Worksheet" r:id="rId4" imgW="5524500" imgH="3562440" progId="Excel.Sheet.8">
                   <p:embed followColorScheme="full"/>
                 </p:oleObj>
               </mc:Choice>
@@ -35349,13 +34494,6 @@
   <p:transition>
     <p:fade/>
   </p:transition>
-  <p:timing>
-    <p:tnLst>
-      <p:par>
-        <p:cTn id="1" dur="indefinite" restart="never" nodeType="tmRoot"/>
-      </p:par>
-    </p:tnLst>
-  </p:timing>
 </p:sld>
 </file>
 
@@ -35727,15 +34865,7 @@
           <a:p>
             <a:r>
               <a:rPr lang="en-US" sz="2400" dirty="0"/>
-              <a:t>Chlorination cannot replace </a:t>
-            </a:r>
-            <a:r>
-              <a:rPr lang="en-US" sz="2400" dirty="0" smtClean="0"/>
-              <a:t>particle and pathogen </a:t>
-            </a:r>
-            <a:r>
-              <a:rPr lang="en-US" sz="2400" dirty="0"/>
-              <a:t>removal for surface waters</a:t>
+              <a:t>Chlorination cannot replace particle and pathogen removal for surface waters</a:t>
             </a:r>
           </a:p>
           <a:p>
@@ -35769,13 +34899,6 @@
   <p:transition>
     <p:fade/>
   </p:transition>
-  <p:timing>
-    <p:tnLst>
-      <p:par>
-        <p:cTn id="1" dur="indefinite" restart="never" nodeType="tmRoot"/>
-      </p:par>
-    </p:tnLst>
-  </p:timing>
 </p:sld>
 </file>
 
@@ -35840,42 +34963,38 @@
           </a:p>
           <a:p>
             <a:r>
-              <a:rPr lang="en-US" sz="2800" dirty="0" smtClean="0"/>
+              <a:rPr lang="en-US" sz="2800" dirty="0"/>
               <a:t>Chlorine concentration is reported as Cl</a:t>
             </a:r>
             <a:r>
-              <a:rPr lang="en-US" sz="2800" baseline="-25000" dirty="0" smtClean="0"/>
+              <a:rPr lang="en-US" sz="2800" baseline="-25000" dirty="0"/>
               <a:t>2</a:t>
             </a:r>
             <a:r>
-              <a:rPr lang="en-US" sz="2800" dirty="0" smtClean="0"/>
+              <a:rPr lang="en-US" sz="2800" dirty="0"/>
               <a:t> even when in the form of </a:t>
             </a:r>
             <a:r>
-              <a:rPr lang="en-US" sz="2800" dirty="0" err="1" smtClean="0"/>
+              <a:rPr lang="en-US" sz="2800" dirty="0" err="1"/>
               <a:t>HOCl</a:t>
             </a:r>
             <a:r>
-              <a:rPr lang="en-US" sz="2800" dirty="0" smtClean="0"/>
+              <a:rPr lang="en-US" sz="2800" dirty="0"/>
               <a:t> or </a:t>
             </a:r>
             <a:r>
-              <a:rPr lang="en-US" sz="2800" dirty="0" err="1" smtClean="0"/>
+              <a:rPr lang="en-US" sz="2800" dirty="0" err="1"/>
               <a:t>OCl</a:t>
             </a:r>
             <a:r>
-              <a:rPr lang="en-US" sz="2800" dirty="0" smtClean="0"/>
+              <a:rPr lang="en-US" sz="2800" dirty="0"/>
               <a:t>-</a:t>
             </a:r>
           </a:p>
           <a:p>
             <a:r>
-              <a:rPr lang="en-US" sz="2800" dirty="0" smtClean="0"/>
-              <a:t>Typical </a:t>
-            </a:r>
-            <a:r>
               <a:rPr lang="en-US" sz="2800" dirty="0"/>
-              <a:t>dosage </a:t>
+              <a:t>Typical dosage </a:t>
             </a:r>
             <a:r>
               <a:rPr lang="en-US" sz="2400" dirty="0"/>
@@ -35902,28 +35021,23 @@
           </a:p>
           <a:p>
             <a:r>
-              <a:rPr lang="en-US" sz="2800" dirty="0" err="1" smtClean="0"/>
+              <a:rPr lang="en-US" sz="2800" dirty="0" err="1"/>
               <a:t>Trihalomethanes</a:t>
             </a:r>
             <a:r>
-              <a:rPr lang="en-US" sz="2800" dirty="0" smtClean="0"/>
-              <a:t> </a:t>
-            </a:r>
-            <a:r>
               <a:rPr lang="en-US" sz="2800" dirty="0"/>
-              <a:t>(EPA primary standard is 80 </a:t>
-            </a:r>
-            <a:r>
-              <a:rPr lang="en-US" sz="2800" dirty="0" smtClean="0">
+              <a:t> (EPA primary standard is 80 </a:t>
+            </a:r>
+            <a:r>
+              <a:rPr lang="en-US" sz="2800" dirty="0">
                 <a:latin typeface="Symbol" pitchFamily="18" charset="2"/>
               </a:rPr>
               <a:t>m</a:t>
             </a:r>
             <a:r>
-              <a:rPr lang="en-US" sz="2800" dirty="0" smtClean="0"/>
+              <a:rPr lang="en-US" sz="2800" dirty="0"/>
               <a:t>g/L)1</a:t>
             </a:r>
-            <a:endParaRPr lang="en-US" sz="2800" dirty="0"/>
           </a:p>
         </p:txBody>
       </p:sp>
@@ -36015,13 +35129,6 @@
   <p:transition>
     <p:fade/>
   </p:transition>
-  <p:timing>
-    <p:tnLst>
-      <p:par>
-        <p:cTn id="1" dur="indefinite" restart="never" nodeType="tmRoot"/>
-      </p:par>
-    </p:tnLst>
-  </p:timing>
 </p:sld>
 </file>
 
@@ -36099,19 +35206,14 @@
           <a:p>
             <a:r>
               <a:rPr lang="en-US" dirty="0"/>
-              <a:t>Removal of dissolved organics is important to reduce disinfection byproduct </a:t>
-            </a:r>
-            <a:r>
-              <a:rPr lang="en-US" dirty="0" smtClean="0"/>
-              <a:t>formation</a:t>
-            </a:r>
-          </a:p>
-          <a:p>
-            <a:r>
-              <a:rPr lang="en-US" dirty="0" smtClean="0"/>
+              <a:t>Removal of dissolved organics is important to reduce disinfection byproduct formation</a:t>
+            </a:r>
+          </a:p>
+          <a:p>
+            <a:r>
+              <a:rPr lang="en-US" dirty="0"/>
               <a:t>Time to investigate alternatives!</a:t>
             </a:r>
-            <a:endParaRPr lang="en-US" dirty="0"/>
           </a:p>
           <a:p>
             <a:endParaRPr lang="en-US" dirty="0"/>
@@ -36126,13 +35228,6 @@
   <p:transition>
     <p:fade/>
   </p:transition>
-  <p:timing>
-    <p:tnLst>
-      <p:par>
-        <p:cTn id="1" dur="indefinite" restart="never" nodeType="tmRoot"/>
-      </p:par>
-    </p:tnLst>
-  </p:timing>
 </p:sld>
 </file>
 
@@ -36320,13 +35415,6 @@
   <p:transition>
     <p:fade/>
   </p:transition>
-  <p:timing>
-    <p:tnLst>
-      <p:par>
-        <p:cTn id="1" dur="indefinite" restart="never" nodeType="tmRoot"/>
-      </p:par>
-    </p:tnLst>
-  </p:timing>
 </p:sld>
 </file>
 
@@ -36464,13 +35552,6 @@
   <p:transition>
     <p:fade/>
   </p:transition>
-  <p:timing>
-    <p:tnLst>
-      <p:par>
-        <p:cTn id="1" dur="indefinite" restart="never" nodeType="tmRoot"/>
-      </p:par>
-    </p:tnLst>
-  </p:timing>
 </p:sld>
 </file>
 
@@ -36978,13 +36059,6 @@
   <p:transition>
     <p:fade/>
   </p:transition>
-  <p:timing>
-    <p:tnLst>
-      <p:par>
-        <p:cTn id="1" dur="indefinite" restart="never" nodeType="tmRoot"/>
-      </p:par>
-    </p:tnLst>
-  </p:timing>
 </p:sld>
 </file>
 
@@ -37675,9 +36749,9 @@
 </file>
 
 <file path=ppt/theme/theme1.xml><?xml version="1.0" encoding="utf-8"?>
-<a:theme xmlns:a="http://schemas.openxmlformats.org/drawingml/2006/main" name="Lecture 4540 2015">
+<a:theme xmlns:a="http://schemas.openxmlformats.org/drawingml/2006/main" name="SWOT 2021">
   <a:themeElements>
-    <a:clrScheme name="Classroom">
+    <a:clrScheme name="present colors">
       <a:dk1>
         <a:srgbClr val="000000"/>
       </a:dk1>
@@ -38102,6 +37176,11 @@
       <a:clrMap bg1="lt1" tx1="dk1" bg2="lt2" tx2="dk2" accent1="accent1" accent2="accent2" accent3="accent3" accent4="accent4" accent5="accent5" accent6="accent6" hlink="hlink" folHlink="folHlink"/>
     </a:extraClrScheme>
   </a:extraClrSchemeLst>
+  <a:extLst>
+    <a:ext uri="{05A4C25C-085E-4340-85A3-A5531E510DB2}">
+      <thm15:themeFamily xmlns:thm15="http://schemas.microsoft.com/office/thememl/2012/main" name="SWOT 2021" id="{306B4164-DC53-4581-8FA2-40B7F9389F30}" vid="{98F8E750-724B-47D5-9A8C-6ABDA1DBFED5}"/>
+    </a:ext>
+  </a:extLst>
 </a:theme>
 </file>
 

--- a/Disinfection.pptx
+++ b/Disinfection.pptx
@@ -3965,6 +3965,12 @@
               <a:t>http://www.olinchloralkali.com/calculators/calc_table.asp </a:t>
             </a:r>
           </a:p>
+          <a:p>
+            <a:r>
+              <a:rPr lang="en-US" dirty="0"/>
+              <a:t>https://www.oxy.com/OurBusinesses/Chemicals/Products/Documents/isocyanurates/ACL%20Potable%20Water%20Brochure.pdf</a:t>
+            </a:r>
+          </a:p>
         </p:txBody>
       </p:sp>
     </p:spTree>
@@ -9051,7 +9057,7 @@
           <a:graphicData uri="http://schemas.openxmlformats.org/presentationml/2006/ole">
             <mc:AlternateContent xmlns:mc="http://schemas.openxmlformats.org/markup-compatibility/2006">
               <mc:Choice xmlns:v="urn:schemas-microsoft-com:vml" Requires="v">
-                <p:oleObj spid="_x0000_s53282" name="Chart" r:id="rId4" imgW="6696143" imgH="4505415" progId="Excel.Sheet.8">
+                <p:oleObj spid="_x0000_s53283" name="Chart" r:id="rId4" imgW="6696143" imgH="4505415" progId="Excel.Sheet.8">
                   <p:embed followColorScheme="full"/>
                 </p:oleObj>
               </mc:Choice>
@@ -9463,7 +9469,7 @@
           <a:graphicData uri="http://schemas.openxmlformats.org/presentationml/2006/ole">
             <mc:AlternateContent xmlns:mc="http://schemas.openxmlformats.org/markup-compatibility/2006">
               <mc:Choice xmlns:v="urn:schemas-microsoft-com:vml" Requires="v">
-                <p:oleObj spid="_x0000_s358432" name="Chart" r:id="rId3" imgW="6696143" imgH="4505415" progId="Excel.Sheet.8">
+                <p:oleObj spid="_x0000_s358433" name="Chart" r:id="rId3" imgW="6696143" imgH="4505415" progId="Excel.Sheet.8">
                   <p:embed followColorScheme="full"/>
                 </p:oleObj>
               </mc:Choice>
@@ -10030,7 +10036,7 @@
             <a:graphicData uri="http://schemas.openxmlformats.org/presentationml/2006/ole">
               <mc:AlternateContent xmlns:mc="http://schemas.openxmlformats.org/markup-compatibility/2006">
                 <mc:Choice xmlns:v="urn:schemas-microsoft-com:vml" Requires="v">
-                  <p:oleObj spid="_x0000_s167976" name="Equation" r:id="rId5" imgW="685800" imgH="380880" progId="Equation.DSMT4">
+                  <p:oleObj spid="_x0000_s167977" name="Equation" r:id="rId5" imgW="685800" imgH="380880" progId="Equation.DSMT4">
                     <p:embed/>
                   </p:oleObj>
                 </mc:Choice>
@@ -19478,7 +19484,7 @@
           <a:graphicData uri="http://schemas.openxmlformats.org/presentationml/2006/ole">
             <mc:AlternateContent xmlns:mc="http://schemas.openxmlformats.org/markup-compatibility/2006">
               <mc:Choice xmlns:v="urn:schemas-microsoft-com:vml" Requires="v">
-                <p:oleObj spid="_x0000_s134178" name="Chart" r:id="rId4" imgW="4943543" imgH="2866935" progId="Excel.Sheet.8">
+                <p:oleObj spid="_x0000_s134179" name="Chart" r:id="rId4" imgW="4943543" imgH="2866935" progId="Excel.Sheet.8">
                   <p:embed followColorScheme="full"/>
                 </p:oleObj>
               </mc:Choice>
@@ -19770,8 +19776,8 @@
         </p:nvSpPr>
         <p:spPr>
           <a:xfrm>
-            <a:off x="685800" y="1981200"/>
-            <a:ext cx="6289675" cy="2466975"/>
+            <a:off x="653143" y="1981200"/>
+            <a:ext cx="8559839" cy="2644776"/>
           </a:xfrm>
         </p:spPr>
         <p:txBody>
@@ -19860,6 +19866,26 @@
               <a:rPr lang="en-US" sz="2800" dirty="0"/>
               <a:t>)</a:t>
             </a:r>
+          </a:p>
+          <a:p>
+            <a:pPr>
+              <a:lnSpc>
+                <a:spcPct val="90000"/>
+              </a:lnSpc>
+            </a:pPr>
+            <a:r>
+              <a:rPr lang="en-US" sz="2800" dirty="0">
+                <a:hlinkClick r:id="rId3"/>
+              </a:rPr>
+              <a:t>Chlorinated  </a:t>
+            </a:r>
+            <a:r>
+              <a:rPr lang="en-US" sz="2800" dirty="0" err="1">
+                <a:hlinkClick r:id="rId3"/>
+              </a:rPr>
+              <a:t>isocyanurates</a:t>
+            </a:r>
+            <a:endParaRPr lang="en-US" sz="2800" dirty="0"/>
           </a:p>
         </p:txBody>
       </p:sp>
@@ -19872,7 +19898,7 @@
           <p:nvPr/>
         </p:nvPicPr>
         <p:blipFill>
-          <a:blip r:embed="rId3" cstate="print"/>
+          <a:blip r:embed="rId4" cstate="print"/>
           <a:srcRect t="40378" r="49857"/>
           <a:stretch>
             <a:fillRect/>
@@ -19898,7 +19924,7 @@
           <p:nvPr/>
         </p:nvPicPr>
         <p:blipFill>
-          <a:blip r:embed="rId4" cstate="print"/>
+          <a:blip r:embed="rId5" cstate="print"/>
           <a:srcRect/>
           <a:stretch>
             <a:fillRect/>
@@ -19924,7 +19950,7 @@
           <p:nvPr/>
         </p:nvPicPr>
         <p:blipFill>
-          <a:blip r:embed="rId5" cstate="print"/>
+          <a:blip r:embed="rId6" cstate="print"/>
           <a:srcRect/>
           <a:stretch>
             <a:fillRect/>
@@ -19932,7 +19958,7 @@
         </p:blipFill>
         <p:spPr bwMode="auto">
           <a:xfrm>
-            <a:off x="6858000" y="1855788"/>
+            <a:off x="9476508" y="1674633"/>
             <a:ext cx="2286000" cy="2286000"/>
           </a:xfrm>
           <a:prstGeom prst="rect">
@@ -22809,7 +22835,7 @@
                         <a:tabLst/>
                       </a:pPr>
                       <a:r>
-                        <a:rPr kumimoji="0" lang="en-US" sz="1400" b="0" i="0" u="none" strike="noStrike" cap="none" normalizeH="0" baseline="0">
+                        <a:rPr kumimoji="0" lang="en-US" sz="1400" b="0" i="0" u="none" strike="noStrike" cap="none" normalizeH="0" baseline="0" dirty="0">
                           <a:ln>
                             <a:noFill/>
                           </a:ln>
@@ -22822,7 +22848,7 @@
                         </a:rPr>
                         <a:t>18.6</a:t>
                       </a:r>
-                      <a:endParaRPr kumimoji="0" lang="en-US" sz="2400" b="0" i="0" u="none" strike="noStrike" cap="none" normalizeH="0" baseline="0">
+                      <a:endParaRPr kumimoji="0" lang="en-US" sz="2400" b="0" i="0" u="none" strike="noStrike" cap="none" normalizeH="0" baseline="0" dirty="0">
                         <a:ln>
                           <a:noFill/>
                         </a:ln>
@@ -23514,7 +23540,7 @@
           <a:graphicData uri="http://schemas.openxmlformats.org/presentationml/2006/ole">
             <mc:AlternateContent xmlns:mc="http://schemas.openxmlformats.org/markup-compatibility/2006">
               <mc:Choice xmlns:v="urn:schemas-microsoft-com:vml" Requires="v">
-                <p:oleObj spid="_x0000_s294975" name="Mathcad" r:id="rId3" imgW="1162080" imgH="1438200" progId="Mathcad">
+                <p:oleObj spid="_x0000_s294977" name="Mathcad" r:id="rId3" imgW="1162080" imgH="1438200" progId="Mathcad">
                   <p:embed/>
                 </p:oleObj>
               </mc:Choice>
@@ -23607,7 +23633,7 @@
           <a:graphicData uri="http://schemas.openxmlformats.org/presentationml/2006/ole">
             <mc:AlternateContent xmlns:mc="http://schemas.openxmlformats.org/markup-compatibility/2006">
               <mc:Choice xmlns:v="urn:schemas-microsoft-com:vml" Requires="v">
-                <p:oleObj spid="_x0000_s294976" name="Mathcad" r:id="rId5" imgW="1209600" imgH="1495440" progId="Mathcad">
+                <p:oleObj spid="_x0000_s294978" name="Mathcad" r:id="rId5" imgW="1209600" imgH="1495440" progId="Mathcad">
                   <p:embed/>
                 </p:oleObj>
               </mc:Choice>
@@ -29042,7 +29068,7 @@
           <a:graphicData uri="http://schemas.openxmlformats.org/presentationml/2006/ole">
             <mc:AlternateContent xmlns:mc="http://schemas.openxmlformats.org/markup-compatibility/2006">
               <mc:Choice xmlns:v="urn:schemas-microsoft-com:vml" Requires="v">
-                <p:oleObj spid="_x0000_s145463" name="Worksheet" r:id="rId5" imgW="7267643" imgH="4352835" progId="Excel.Sheet.8">
+                <p:oleObj spid="_x0000_s145464" name="Worksheet" r:id="rId5" imgW="7267643" imgH="4352835" progId="Excel.Sheet.8">
                   <p:embed followColorScheme="full"/>
                 </p:oleObj>
               </mc:Choice>
@@ -34409,7 +34435,7 @@
           <a:graphicData uri="http://schemas.openxmlformats.org/presentationml/2006/ole">
             <mc:AlternateContent xmlns:mc="http://schemas.openxmlformats.org/markup-compatibility/2006">
               <mc:Choice xmlns:v="urn:schemas-microsoft-com:vml" Requires="v">
-                <p:oleObj spid="_x0000_s154658" name="Worksheet" r:id="rId4" imgW="5524500" imgH="3562440" progId="Excel.Sheet.8">
+                <p:oleObj spid="_x0000_s154659" name="Worksheet" r:id="rId4" imgW="5524500" imgH="3562440" progId="Excel.Sheet.8">
                   <p:embed followColorScheme="full"/>
                 </p:oleObj>
               </mc:Choice>
